--- a/assests/Media-Management-Platform.pptx
+++ b/assests/Media-Management-Platform.pptx
@@ -6,21 +6,31 @@
   </p:sldMasterIdLst>
   <p:sldIdLst>
     <p:sldId id="256" r:id="rId2"/>
-    <p:sldId id="257" r:id="rId3"/>
-    <p:sldId id="258" r:id="rId4"/>
-    <p:sldId id="266" r:id="rId5"/>
-    <p:sldId id="267" r:id="rId6"/>
-    <p:sldId id="259" r:id="rId7"/>
-    <p:sldId id="260" r:id="rId8"/>
-    <p:sldId id="262" r:id="rId9"/>
-    <p:sldId id="269" r:id="rId10"/>
-    <p:sldId id="263" r:id="rId11"/>
-    <p:sldId id="270" r:id="rId12"/>
-    <p:sldId id="271" r:id="rId13"/>
-    <p:sldId id="272" r:id="rId14"/>
-    <p:sldId id="273" r:id="rId15"/>
-    <p:sldId id="274" r:id="rId16"/>
-    <p:sldId id="275" r:id="rId17"/>
+    <p:sldId id="258" r:id="rId3"/>
+    <p:sldId id="266" r:id="rId4"/>
+    <p:sldId id="276" r:id="rId5"/>
+    <p:sldId id="277" r:id="rId6"/>
+    <p:sldId id="267" r:id="rId7"/>
+    <p:sldId id="259" r:id="rId8"/>
+    <p:sldId id="260" r:id="rId9"/>
+    <p:sldId id="262" r:id="rId10"/>
+    <p:sldId id="278" r:id="rId11"/>
+    <p:sldId id="279" r:id="rId12"/>
+    <p:sldId id="280" r:id="rId13"/>
+    <p:sldId id="281" r:id="rId14"/>
+    <p:sldId id="269" r:id="rId15"/>
+    <p:sldId id="263" r:id="rId16"/>
+    <p:sldId id="270" r:id="rId17"/>
+    <p:sldId id="271" r:id="rId18"/>
+    <p:sldId id="272" r:id="rId19"/>
+    <p:sldId id="273" r:id="rId20"/>
+    <p:sldId id="274" r:id="rId21"/>
+    <p:sldId id="282" r:id="rId22"/>
+    <p:sldId id="283" r:id="rId23"/>
+    <p:sldId id="284" r:id="rId24"/>
+    <p:sldId id="285" r:id="rId25"/>
+    <p:sldId id="275" r:id="rId26"/>
+    <p:sldId id="286" r:id="rId27"/>
   </p:sldIdLst>
   <p:sldSz cx="12192000" cy="6858000"/>
   <p:notesSz cx="6858000" cy="9144000"/>
@@ -276,7 +286,7 @@
           <a:p>
             <a:fld id="{E064D916-B6BC-471C-B3C7-F28DF2F954A4}" type="datetimeFigureOut">
               <a:rPr lang="en-DE" smtClean="0"/>
-              <a:t>18/01/2025</a:t>
+              <a:t>01/19/2025</a:t>
             </a:fld>
             <a:endParaRPr lang="en-DE"/>
           </a:p>
@@ -330,7 +340,7 @@
           <a:p>
             <a:fld id="{ECEBBD96-380D-4135-AF85-DC8DEA7CF852}" type="slidenum">
               <a:rPr lang="en-DE" smtClean="0"/>
-              <a:t>‹Nr.›</a:t>
+              <a:t>‹#›</a:t>
             </a:fld>
             <a:endParaRPr lang="en-DE"/>
           </a:p>
@@ -476,7 +486,7 @@
           <a:p>
             <a:fld id="{E064D916-B6BC-471C-B3C7-F28DF2F954A4}" type="datetimeFigureOut">
               <a:rPr lang="en-DE" smtClean="0"/>
-              <a:t>18/01/2025</a:t>
+              <a:t>01/19/2025</a:t>
             </a:fld>
             <a:endParaRPr lang="en-DE"/>
           </a:p>
@@ -530,7 +540,7 @@
           <a:p>
             <a:fld id="{ECEBBD96-380D-4135-AF85-DC8DEA7CF852}" type="slidenum">
               <a:rPr lang="en-DE" smtClean="0"/>
-              <a:t>‹Nr.›</a:t>
+              <a:t>‹#›</a:t>
             </a:fld>
             <a:endParaRPr lang="en-DE"/>
           </a:p>
@@ -686,7 +696,7 @@
           <a:p>
             <a:fld id="{E064D916-B6BC-471C-B3C7-F28DF2F954A4}" type="datetimeFigureOut">
               <a:rPr lang="en-DE" smtClean="0"/>
-              <a:t>18/01/2025</a:t>
+              <a:t>01/19/2025</a:t>
             </a:fld>
             <a:endParaRPr lang="en-DE"/>
           </a:p>
@@ -740,7 +750,7 @@
           <a:p>
             <a:fld id="{ECEBBD96-380D-4135-AF85-DC8DEA7CF852}" type="slidenum">
               <a:rPr lang="en-DE" smtClean="0"/>
-              <a:t>‹Nr.›</a:t>
+              <a:t>‹#›</a:t>
             </a:fld>
             <a:endParaRPr lang="en-DE"/>
           </a:p>
@@ -886,7 +896,7 @@
           <a:p>
             <a:fld id="{E064D916-B6BC-471C-B3C7-F28DF2F954A4}" type="datetimeFigureOut">
               <a:rPr lang="en-DE" smtClean="0"/>
-              <a:t>18/01/2025</a:t>
+              <a:t>01/19/2025</a:t>
             </a:fld>
             <a:endParaRPr lang="en-DE"/>
           </a:p>
@@ -940,7 +950,7 @@
           <a:p>
             <a:fld id="{ECEBBD96-380D-4135-AF85-DC8DEA7CF852}" type="slidenum">
               <a:rPr lang="en-DE" smtClean="0"/>
-              <a:t>‹Nr.›</a:t>
+              <a:t>‹#›</a:t>
             </a:fld>
             <a:endParaRPr lang="en-DE"/>
           </a:p>
@@ -1162,7 +1172,7 @@
           <a:p>
             <a:fld id="{E064D916-B6BC-471C-B3C7-F28DF2F954A4}" type="datetimeFigureOut">
               <a:rPr lang="en-DE" smtClean="0"/>
-              <a:t>18/01/2025</a:t>
+              <a:t>01/19/2025</a:t>
             </a:fld>
             <a:endParaRPr lang="en-DE"/>
           </a:p>
@@ -1216,7 +1226,7 @@
           <a:p>
             <a:fld id="{ECEBBD96-380D-4135-AF85-DC8DEA7CF852}" type="slidenum">
               <a:rPr lang="en-DE" smtClean="0"/>
-              <a:t>‹Nr.›</a:t>
+              <a:t>‹#›</a:t>
             </a:fld>
             <a:endParaRPr lang="en-DE"/>
           </a:p>
@@ -1430,7 +1440,7 @@
           <a:p>
             <a:fld id="{E064D916-B6BC-471C-B3C7-F28DF2F954A4}" type="datetimeFigureOut">
               <a:rPr lang="en-DE" smtClean="0"/>
-              <a:t>18/01/2025</a:t>
+              <a:t>01/19/2025</a:t>
             </a:fld>
             <a:endParaRPr lang="en-DE"/>
           </a:p>
@@ -1484,7 +1494,7 @@
           <a:p>
             <a:fld id="{ECEBBD96-380D-4135-AF85-DC8DEA7CF852}" type="slidenum">
               <a:rPr lang="en-DE" smtClean="0"/>
-              <a:t>‹Nr.›</a:t>
+              <a:t>‹#›</a:t>
             </a:fld>
             <a:endParaRPr lang="en-DE"/>
           </a:p>
@@ -1845,7 +1855,7 @@
           <a:p>
             <a:fld id="{E064D916-B6BC-471C-B3C7-F28DF2F954A4}" type="datetimeFigureOut">
               <a:rPr lang="en-DE" smtClean="0"/>
-              <a:t>18/01/2025</a:t>
+              <a:t>01/19/2025</a:t>
             </a:fld>
             <a:endParaRPr lang="en-DE"/>
           </a:p>
@@ -1899,7 +1909,7 @@
           <a:p>
             <a:fld id="{ECEBBD96-380D-4135-AF85-DC8DEA7CF852}" type="slidenum">
               <a:rPr lang="en-DE" smtClean="0"/>
-              <a:t>‹Nr.›</a:t>
+              <a:t>‹#›</a:t>
             </a:fld>
             <a:endParaRPr lang="en-DE"/>
           </a:p>
@@ -1987,7 +1997,7 @@
           <a:p>
             <a:fld id="{E064D916-B6BC-471C-B3C7-F28DF2F954A4}" type="datetimeFigureOut">
               <a:rPr lang="en-DE" smtClean="0"/>
-              <a:t>18/01/2025</a:t>
+              <a:t>01/19/2025</a:t>
             </a:fld>
             <a:endParaRPr lang="en-DE"/>
           </a:p>
@@ -2041,7 +2051,7 @@
           <a:p>
             <a:fld id="{ECEBBD96-380D-4135-AF85-DC8DEA7CF852}" type="slidenum">
               <a:rPr lang="en-DE" smtClean="0"/>
-              <a:t>‹Nr.›</a:t>
+              <a:t>‹#›</a:t>
             </a:fld>
             <a:endParaRPr lang="en-DE"/>
           </a:p>
@@ -2100,7 +2110,7 @@
           <a:p>
             <a:fld id="{E064D916-B6BC-471C-B3C7-F28DF2F954A4}" type="datetimeFigureOut">
               <a:rPr lang="en-DE" smtClean="0"/>
-              <a:t>18/01/2025</a:t>
+              <a:t>01/19/2025</a:t>
             </a:fld>
             <a:endParaRPr lang="en-DE"/>
           </a:p>
@@ -2154,7 +2164,7 @@
           <a:p>
             <a:fld id="{ECEBBD96-380D-4135-AF85-DC8DEA7CF852}" type="slidenum">
               <a:rPr lang="en-DE" smtClean="0"/>
-              <a:t>‹Nr.›</a:t>
+              <a:t>‹#›</a:t>
             </a:fld>
             <a:endParaRPr lang="en-DE"/>
           </a:p>
@@ -2413,7 +2423,7 @@
           <a:p>
             <a:fld id="{E064D916-B6BC-471C-B3C7-F28DF2F954A4}" type="datetimeFigureOut">
               <a:rPr lang="en-DE" smtClean="0"/>
-              <a:t>18/01/2025</a:t>
+              <a:t>01/19/2025</a:t>
             </a:fld>
             <a:endParaRPr lang="en-DE"/>
           </a:p>
@@ -2467,7 +2477,7 @@
           <a:p>
             <a:fld id="{ECEBBD96-380D-4135-AF85-DC8DEA7CF852}" type="slidenum">
               <a:rPr lang="en-DE" smtClean="0"/>
-              <a:t>‹Nr.›</a:t>
+              <a:t>‹#›</a:t>
             </a:fld>
             <a:endParaRPr lang="en-DE"/>
           </a:p>
@@ -2702,7 +2712,7 @@
           <a:p>
             <a:fld id="{E064D916-B6BC-471C-B3C7-F28DF2F954A4}" type="datetimeFigureOut">
               <a:rPr lang="en-DE" smtClean="0"/>
-              <a:t>18/01/2025</a:t>
+              <a:t>01/19/2025</a:t>
             </a:fld>
             <a:endParaRPr lang="en-DE"/>
           </a:p>
@@ -2756,7 +2766,7 @@
           <a:p>
             <a:fld id="{ECEBBD96-380D-4135-AF85-DC8DEA7CF852}" type="slidenum">
               <a:rPr lang="en-DE" smtClean="0"/>
-              <a:t>‹Nr.›</a:t>
+              <a:t>‹#›</a:t>
             </a:fld>
             <a:endParaRPr lang="en-DE"/>
           </a:p>
@@ -2945,7 +2955,7 @@
           <a:p>
             <a:fld id="{E064D916-B6BC-471C-B3C7-F28DF2F954A4}" type="datetimeFigureOut">
               <a:rPr lang="en-DE" smtClean="0"/>
-              <a:t>18/01/2025</a:t>
+              <a:t>01/19/2025</a:t>
             </a:fld>
             <a:endParaRPr lang="en-DE"/>
           </a:p>
@@ -3035,7 +3045,7 @@
           <a:p>
             <a:fld id="{ECEBBD96-380D-4135-AF85-DC8DEA7CF852}" type="slidenum">
               <a:rPr lang="en-DE" smtClean="0"/>
-              <a:t>‹Nr.›</a:t>
+              <a:t>‹#›</a:t>
             </a:fld>
             <a:endParaRPr lang="en-DE"/>
           </a:p>
@@ -3466,127 +3476,134 @@
       </p:grpSpPr>
       <p:sp>
         <p:nvSpPr>
-          <p:cNvPr id="2" name="Textfeld 1">
-            <a:extLst>
-              <a:ext uri="{FF2B5EF4-FFF2-40B4-BE49-F238E27FC236}">
-                <a16:creationId xmlns:a16="http://schemas.microsoft.com/office/drawing/2014/main" id="{A34F71D3-60D9-F727-675F-01364D0A85BE}"/>
-              </a:ext>
-            </a:extLst>
-          </p:cNvPr>
-          <p:cNvSpPr txBox="1"/>
-          <p:nvPr/>
-        </p:nvSpPr>
-        <p:spPr>
-          <a:xfrm>
-            <a:off x="0" y="2828835"/>
-            <a:ext cx="6318250" cy="1200329"/>
-          </a:xfrm>
-          <a:prstGeom prst="rect">
-            <a:avLst/>
-          </a:prstGeom>
-          <a:noFill/>
-        </p:spPr>
-        <p:txBody>
-          <a:bodyPr wrap="square" rtlCol="0">
-            <a:spAutoFit/>
+          <p:cNvPr id="2" name="Title 1">
+            <a:extLst>
+              <a:ext uri="{FF2B5EF4-FFF2-40B4-BE49-F238E27FC236}">
+                <a16:creationId xmlns:a16="http://schemas.microsoft.com/office/drawing/2014/main" id="{4672FA3F-79AE-B29D-3101-44BE400AB056}"/>
+              </a:ext>
+            </a:extLst>
+          </p:cNvPr>
+          <p:cNvSpPr>
+            <a:spLocks noGrp="1"/>
+          </p:cNvSpPr>
+          <p:nvPr>
+            <p:ph type="title"/>
+          </p:nvPr>
+        </p:nvSpPr>
+        <p:spPr/>
+        <p:txBody>
+          <a:bodyPr/>
+          <a:lstStyle/>
+          <a:p>
+            <a:r>
+              <a:rPr lang="de-DE" dirty="0"/>
+              <a:t>Access streams from different cameras</a:t>
+            </a:r>
+            <a:endParaRPr lang="bn-IN" dirty="0"/>
+          </a:p>
+        </p:txBody>
+      </p:sp>
+      <p:sp>
+        <p:nvSpPr>
+          <p:cNvPr id="3" name="Content Placeholder 2">
+            <a:extLst>
+              <a:ext uri="{FF2B5EF4-FFF2-40B4-BE49-F238E27FC236}">
+                <a16:creationId xmlns:a16="http://schemas.microsoft.com/office/drawing/2014/main" id="{D05D019B-EACD-EEED-83D8-E4E6CC7EF18A}"/>
+              </a:ext>
+            </a:extLst>
+          </p:cNvPr>
+          <p:cNvSpPr>
+            <a:spLocks noGrp="1"/>
+          </p:cNvSpPr>
+          <p:nvPr>
+            <p:ph idx="1"/>
+          </p:nvPr>
+        </p:nvSpPr>
+        <p:spPr/>
+        <p:txBody>
+          <a:bodyPr>
+            <a:normAutofit lnSpcReduction="10000"/>
           </a:bodyPr>
           <a:lstStyle/>
           <a:p>
-            <a:pPr marL="285750" indent="-285750">
-              <a:buFontTx/>
-              <a:buChar char="-"/>
+            <a:r>
+              <a:rPr lang="de-DE" dirty="0"/>
+              <a:t>RTSP – Widely used protocol by manufacturers</a:t>
+            </a:r>
+          </a:p>
+          <a:p>
+            <a:r>
+              <a:rPr lang="de-DE" dirty="0"/>
+              <a:t>Gstreamer – A robust media processing framework</a:t>
+            </a:r>
+          </a:p>
+          <a:p>
+            <a:r>
+              <a:rPr lang="de-DE" dirty="0"/>
+              <a:t>HLS – A apple made media format for live streaming on html</a:t>
+            </a:r>
+          </a:p>
+          <a:p>
+            <a:pPr marL="0" indent="0">
+              <a:buNone/>
             </a:pPr>
             <a:r>
-              <a:rPr lang="en-GB" sz="2400" dirty="0" err="1"/>
-              <a:t>AuthProvider</a:t>
-            </a:r>
-            <a:r>
-              <a:rPr lang="en-GB" sz="2400" dirty="0"/>
-              <a:t>: Attempts to authenticate user</a:t>
-            </a:r>
-          </a:p>
-          <a:p>
-            <a:pPr marL="285750" indent="-285750">
-              <a:buFontTx/>
-              <a:buChar char="-"/>
+              <a:rPr lang="de-DE" dirty="0"/>
+              <a:t>         - Have playlists</a:t>
+            </a:r>
+          </a:p>
+          <a:p>
+            <a:pPr marL="0" indent="0">
+              <a:buNone/>
             </a:pPr>
             <a:r>
-              <a:rPr lang="en-GB" sz="2400" dirty="0"/>
-              <a:t>Router: Displays different elements depending on Route</a:t>
-            </a:r>
-            <a:endParaRPr lang="en-DE" sz="2400" dirty="0"/>
-          </a:p>
-        </p:txBody>
-      </p:sp>
-      <p:pic>
-        <p:nvPicPr>
-          <p:cNvPr id="4" name="Grafik 3">
-            <a:extLst>
-              <a:ext uri="{FF2B5EF4-FFF2-40B4-BE49-F238E27FC236}">
-                <a16:creationId xmlns:a16="http://schemas.microsoft.com/office/drawing/2014/main" id="{F1A17BE8-DDFE-C62D-CEE7-80CA17310F27}"/>
-              </a:ext>
-            </a:extLst>
-          </p:cNvPr>
-          <p:cNvPicPr>
-            <a:picLocks noChangeAspect="1"/>
-          </p:cNvPicPr>
-          <p:nvPr/>
-        </p:nvPicPr>
-        <p:blipFill>
-          <a:blip r:embed="rId2"/>
-          <a:stretch>
-            <a:fillRect/>
-          </a:stretch>
-        </p:blipFill>
-        <p:spPr>
-          <a:xfrm>
-            <a:off x="6235699" y="1933833"/>
-            <a:ext cx="5824457" cy="2990334"/>
-          </a:xfrm>
-          <a:prstGeom prst="rect">
-            <a:avLst/>
-          </a:prstGeom>
-        </p:spPr>
-      </p:pic>
-      <p:sp>
-        <p:nvSpPr>
-          <p:cNvPr id="5" name="Textfeld 4">
-            <a:extLst>
-              <a:ext uri="{FF2B5EF4-FFF2-40B4-BE49-F238E27FC236}">
-                <a16:creationId xmlns:a16="http://schemas.microsoft.com/office/drawing/2014/main" id="{440398AF-112A-E9CA-0127-AD1D44E35D37}"/>
-              </a:ext>
-            </a:extLst>
-          </p:cNvPr>
-          <p:cNvSpPr txBox="1"/>
-          <p:nvPr/>
-        </p:nvSpPr>
-        <p:spPr>
-          <a:xfrm>
-            <a:off x="304800" y="240404"/>
-            <a:ext cx="6096000" cy="707886"/>
-          </a:xfrm>
-          <a:prstGeom prst="rect">
-            <a:avLst/>
-          </a:prstGeom>
-          <a:noFill/>
-        </p:spPr>
-        <p:txBody>
-          <a:bodyPr wrap="square">
-            <a:spAutoFit/>
-          </a:bodyPr>
-          <a:lstStyle/>
-          <a:p>
-            <a:r>
-              <a:rPr lang="en-GB" sz="4000" dirty="0"/>
-              <a:t>Index.js</a:t>
-            </a:r>
+              <a:rPr lang="de-DE" dirty="0"/>
+              <a:t>         - Have segments</a:t>
+            </a:r>
+          </a:p>
+          <a:p>
+            <a:pPr marL="0" indent="0">
+              <a:buNone/>
+            </a:pPr>
+            <a:r>
+              <a:rPr lang="de-DE" dirty="0"/>
+              <a:t>         - shareable stream bucket</a:t>
+            </a:r>
+          </a:p>
+          <a:p>
+            <a:pPr marL="0" indent="0">
+              <a:buNone/>
+            </a:pPr>
+            <a:r>
+              <a:rPr lang="de-DE" dirty="0"/>
+              <a:t>         - prebuilt buffering</a:t>
+            </a:r>
+          </a:p>
+          <a:p>
+            <a:pPr marL="0" indent="0">
+              <a:buNone/>
+            </a:pPr>
+            <a:r>
+              <a:rPr lang="de-DE" dirty="0"/>
+              <a:t>         - supported by almost all .js based video players</a:t>
+            </a:r>
+          </a:p>
+          <a:p>
+            <a:pPr marL="0" indent="0">
+              <a:buNone/>
+            </a:pPr>
+            <a:r>
+              <a:rPr lang="de-DE" dirty="0"/>
+              <a:t>     </a:t>
+            </a:r>
+            <a:endParaRPr lang="bn-IN" dirty="0"/>
           </a:p>
         </p:txBody>
       </p:sp>
     </p:spTree>
     <p:extLst>
       <p:ext uri="{BB962C8B-B14F-4D97-AF65-F5344CB8AC3E}">
-        <p14:creationId xmlns:p14="http://schemas.microsoft.com/office/powerpoint/2010/main" val="1784251595"/>
+        <p14:creationId xmlns:p14="http://schemas.microsoft.com/office/powerpoint/2010/main" val="710068706"/>
       </p:ext>
     </p:extLst>
   </p:cSld>
@@ -3613,6 +3630,715 @@
           <a:chExt cx="0" cy="0"/>
         </a:xfrm>
       </p:grpSpPr>
+      <p:sp>
+        <p:nvSpPr>
+          <p:cNvPr id="2" name="Title 1">
+            <a:extLst>
+              <a:ext uri="{FF2B5EF4-FFF2-40B4-BE49-F238E27FC236}">
+                <a16:creationId xmlns:a16="http://schemas.microsoft.com/office/drawing/2014/main" id="{AADCBDC9-902C-5E5C-A57E-62EF3D2F331C}"/>
+              </a:ext>
+            </a:extLst>
+          </p:cNvPr>
+          <p:cNvSpPr>
+            <a:spLocks noGrp="1"/>
+          </p:cNvSpPr>
+          <p:nvPr>
+            <p:ph type="title"/>
+          </p:nvPr>
+        </p:nvSpPr>
+        <p:spPr/>
+        <p:txBody>
+          <a:bodyPr/>
+          <a:lstStyle/>
+          <a:p>
+            <a:r>
+              <a:rPr lang="de-DE" dirty="0"/>
+              <a:t>HLS</a:t>
+            </a:r>
+            <a:endParaRPr lang="bn-IN" dirty="0"/>
+          </a:p>
+        </p:txBody>
+      </p:sp>
+      <p:pic>
+        <p:nvPicPr>
+          <p:cNvPr id="1026" name="Picture 2" descr="3-Apple HLS description [16] ">
+            <a:extLst>
+              <a:ext uri="{FF2B5EF4-FFF2-40B4-BE49-F238E27FC236}">
+                <a16:creationId xmlns:a16="http://schemas.microsoft.com/office/drawing/2014/main" id="{051EA1AC-7C50-9762-A772-605125D8ACBF}"/>
+              </a:ext>
+            </a:extLst>
+          </p:cNvPr>
+          <p:cNvPicPr>
+            <a:picLocks noGrp="1" noChangeAspect="1" noChangeArrowheads="1"/>
+          </p:cNvPicPr>
+          <p:nvPr>
+            <p:ph idx="1"/>
+          </p:nvPr>
+        </p:nvPicPr>
+        <p:blipFill>
+          <a:blip r:embed="rId2">
+            <a:extLst>
+              <a:ext uri="{28A0092B-C50C-407E-A947-70E740481C1C}">
+                <a14:useLocalDpi xmlns:a14="http://schemas.microsoft.com/office/drawing/2010/main" val="0"/>
+              </a:ext>
+            </a:extLst>
+          </a:blip>
+          <a:srcRect/>
+          <a:stretch>
+            <a:fillRect/>
+          </a:stretch>
+        </p:blipFill>
+        <p:spPr bwMode="auto">
+          <a:xfrm>
+            <a:off x="2804857" y="2141537"/>
+            <a:ext cx="6205767" cy="4351338"/>
+          </a:xfrm>
+          <a:prstGeom prst="rect">
+            <a:avLst/>
+          </a:prstGeom>
+          <a:noFill/>
+          <a:extLst>
+            <a:ext uri="{909E8E84-426E-40DD-AFC4-6F175D3DCCD1}">
+              <a14:hiddenFill xmlns:a14="http://schemas.microsoft.com/office/drawing/2010/main">
+                <a:solidFill>
+                  <a:srgbClr val="FFFFFF"/>
+                </a:solidFill>
+              </a14:hiddenFill>
+            </a:ext>
+          </a:extLst>
+        </p:spPr>
+      </p:pic>
+    </p:spTree>
+    <p:extLst>
+      <p:ext uri="{BB962C8B-B14F-4D97-AF65-F5344CB8AC3E}">
+        <p14:creationId xmlns:p14="http://schemas.microsoft.com/office/powerpoint/2010/main" val="1090986422"/>
+      </p:ext>
+    </p:extLst>
+  </p:cSld>
+  <p:clrMapOvr>
+    <a:masterClrMapping/>
+  </p:clrMapOvr>
+</p:sld>
+</file>
+
+<file path=ppt/slides/slide12.xml><?xml version="1.0" encoding="utf-8"?>
+<p:sld xmlns:a="http://schemas.openxmlformats.org/drawingml/2006/main" xmlns:r="http://schemas.openxmlformats.org/officeDocument/2006/relationships" xmlns:p="http://schemas.openxmlformats.org/presentationml/2006/main">
+  <p:cSld>
+    <p:spTree>
+      <p:nvGrpSpPr>
+        <p:cNvPr id="1" name=""/>
+        <p:cNvGrpSpPr/>
+        <p:nvPr/>
+      </p:nvGrpSpPr>
+      <p:grpSpPr>
+        <a:xfrm>
+          <a:off x="0" y="0"/>
+          <a:ext cx="0" cy="0"/>
+          <a:chOff x="0" y="0"/>
+          <a:chExt cx="0" cy="0"/>
+        </a:xfrm>
+      </p:grpSpPr>
+      <p:sp>
+        <p:nvSpPr>
+          <p:cNvPr id="2" name="Title 1">
+            <a:extLst>
+              <a:ext uri="{FF2B5EF4-FFF2-40B4-BE49-F238E27FC236}">
+                <a16:creationId xmlns:a16="http://schemas.microsoft.com/office/drawing/2014/main" id="{759B6901-7574-E870-1905-5908234327B0}"/>
+              </a:ext>
+            </a:extLst>
+          </p:cNvPr>
+          <p:cNvSpPr>
+            <a:spLocks noGrp="1"/>
+          </p:cNvSpPr>
+          <p:nvPr>
+            <p:ph type="title"/>
+          </p:nvPr>
+        </p:nvSpPr>
+        <p:spPr/>
+        <p:txBody>
+          <a:bodyPr/>
+          <a:lstStyle/>
+          <a:p>
+            <a:r>
+              <a:rPr lang="de-DE" dirty="0"/>
+              <a:t>Gstreamer</a:t>
+            </a:r>
+            <a:endParaRPr lang="bn-IN" dirty="0"/>
+          </a:p>
+        </p:txBody>
+      </p:sp>
+      <p:pic>
+        <p:nvPicPr>
+          <p:cNvPr id="2052" name="Picture 4">
+            <a:extLst>
+              <a:ext uri="{FF2B5EF4-FFF2-40B4-BE49-F238E27FC236}">
+                <a16:creationId xmlns:a16="http://schemas.microsoft.com/office/drawing/2014/main" id="{17F54D3A-5503-55D4-6840-0ECC0602A61B}"/>
+              </a:ext>
+            </a:extLst>
+          </p:cNvPr>
+          <p:cNvPicPr>
+            <a:picLocks noGrp="1" noChangeAspect="1" noChangeArrowheads="1"/>
+          </p:cNvPicPr>
+          <p:nvPr>
+            <p:ph idx="1"/>
+          </p:nvPr>
+        </p:nvPicPr>
+        <p:blipFill>
+          <a:blip r:embed="rId2">
+            <a:extLst>
+              <a:ext uri="{28A0092B-C50C-407E-A947-70E740481C1C}">
+                <a14:useLocalDpi xmlns:a14="http://schemas.microsoft.com/office/drawing/2010/main" val="0"/>
+              </a:ext>
+            </a:extLst>
+          </a:blip>
+          <a:srcRect/>
+          <a:stretch>
+            <a:fillRect/>
+          </a:stretch>
+        </p:blipFill>
+        <p:spPr bwMode="auto">
+          <a:xfrm>
+            <a:off x="758073" y="3276433"/>
+            <a:ext cx="8332139" cy="2658202"/>
+          </a:xfrm>
+          <a:prstGeom prst="rect">
+            <a:avLst/>
+          </a:prstGeom>
+          <a:noFill/>
+          <a:extLst>
+            <a:ext uri="{909E8E84-426E-40DD-AFC4-6F175D3DCCD1}">
+              <a14:hiddenFill xmlns:a14="http://schemas.microsoft.com/office/drawing/2010/main">
+                <a:solidFill>
+                  <a:srgbClr val="FFFFFF"/>
+                </a:solidFill>
+              </a14:hiddenFill>
+            </a:ext>
+          </a:extLst>
+        </p:spPr>
+      </p:pic>
+      <p:sp>
+        <p:nvSpPr>
+          <p:cNvPr id="4" name="TextBox 3">
+            <a:extLst>
+              <a:ext uri="{FF2B5EF4-FFF2-40B4-BE49-F238E27FC236}">
+                <a16:creationId xmlns:a16="http://schemas.microsoft.com/office/drawing/2014/main" id="{9E607F98-0E77-2763-BB53-0406DD264DAE}"/>
+              </a:ext>
+            </a:extLst>
+          </p:cNvPr>
+          <p:cNvSpPr txBox="1"/>
+          <p:nvPr/>
+        </p:nvSpPr>
+        <p:spPr>
+          <a:xfrm>
+            <a:off x="695320" y="1690688"/>
+            <a:ext cx="2073709" cy="1200329"/>
+          </a:xfrm>
+          <a:prstGeom prst="rect">
+            <a:avLst/>
+          </a:prstGeom>
+          <a:noFill/>
+        </p:spPr>
+        <p:txBody>
+          <a:bodyPr wrap="none" rtlCol="0">
+            <a:spAutoFit/>
+          </a:bodyPr>
+          <a:lstStyle/>
+          <a:p>
+            <a:pPr marL="285750" indent="-285750">
+              <a:buFont typeface="Arial" panose="020B0604020202020204" pitchFamily="34" charset="0"/>
+              <a:buChar char="•"/>
+            </a:pPr>
+            <a:r>
+              <a:rPr lang="de-DE" dirty="0"/>
+              <a:t>Pipelines</a:t>
+            </a:r>
+          </a:p>
+          <a:p>
+            <a:pPr marL="285750" indent="-285750">
+              <a:buFont typeface="Arial" panose="020B0604020202020204" pitchFamily="34" charset="0"/>
+              <a:buChar char="•"/>
+            </a:pPr>
+            <a:r>
+              <a:rPr lang="de-DE" dirty="0"/>
+              <a:t>Media Elements</a:t>
+            </a:r>
+          </a:p>
+          <a:p>
+            <a:pPr marL="285750" indent="-285750">
+              <a:buFont typeface="Arial" panose="020B0604020202020204" pitchFamily="34" charset="0"/>
+              <a:buChar char="•"/>
+            </a:pPr>
+            <a:r>
+              <a:rPr lang="de-DE" dirty="0"/>
+              <a:t>Caps</a:t>
+            </a:r>
+          </a:p>
+          <a:p>
+            <a:pPr marL="285750" indent="-285750">
+              <a:buFont typeface="Arial" panose="020B0604020202020204" pitchFamily="34" charset="0"/>
+              <a:buChar char="•"/>
+            </a:pPr>
+            <a:r>
+              <a:rPr lang="de-DE" dirty="0"/>
+              <a:t>Sink-point</a:t>
+            </a:r>
+            <a:endParaRPr lang="bn-IN" dirty="0"/>
+          </a:p>
+        </p:txBody>
+      </p:sp>
+    </p:spTree>
+    <p:extLst>
+      <p:ext uri="{BB962C8B-B14F-4D97-AF65-F5344CB8AC3E}">
+        <p14:creationId xmlns:p14="http://schemas.microsoft.com/office/powerpoint/2010/main" val="1043646389"/>
+      </p:ext>
+    </p:extLst>
+  </p:cSld>
+  <p:clrMapOvr>
+    <a:masterClrMapping/>
+  </p:clrMapOvr>
+</p:sld>
+</file>
+
+<file path=ppt/slides/slide13.xml><?xml version="1.0" encoding="utf-8"?>
+<p:sld xmlns:a="http://schemas.openxmlformats.org/drawingml/2006/main" xmlns:r="http://schemas.openxmlformats.org/officeDocument/2006/relationships" xmlns:p="http://schemas.openxmlformats.org/presentationml/2006/main">
+  <p:cSld>
+    <p:spTree>
+      <p:nvGrpSpPr>
+        <p:cNvPr id="1" name=""/>
+        <p:cNvGrpSpPr/>
+        <p:nvPr/>
+      </p:nvGrpSpPr>
+      <p:grpSpPr>
+        <a:xfrm>
+          <a:off x="0" y="0"/>
+          <a:ext cx="0" cy="0"/>
+          <a:chOff x="0" y="0"/>
+          <a:chExt cx="0" cy="0"/>
+        </a:xfrm>
+      </p:grpSpPr>
+      <p:sp>
+        <p:nvSpPr>
+          <p:cNvPr id="2" name="Title 1">
+            <a:extLst>
+              <a:ext uri="{FF2B5EF4-FFF2-40B4-BE49-F238E27FC236}">
+                <a16:creationId xmlns:a16="http://schemas.microsoft.com/office/drawing/2014/main" id="{C1A5018D-EDB2-2A65-6924-DD0EDE62AAFE}"/>
+              </a:ext>
+            </a:extLst>
+          </p:cNvPr>
+          <p:cNvSpPr>
+            <a:spLocks noGrp="1"/>
+          </p:cNvSpPr>
+          <p:nvPr>
+            <p:ph type="title"/>
+          </p:nvPr>
+        </p:nvSpPr>
+        <p:spPr/>
+        <p:txBody>
+          <a:bodyPr/>
+          <a:lstStyle/>
+          <a:p>
+            <a:r>
+              <a:rPr lang="de-DE" dirty="0"/>
+              <a:t>Full Architechture</a:t>
+            </a:r>
+            <a:endParaRPr lang="bn-IN" dirty="0"/>
+          </a:p>
+        </p:txBody>
+      </p:sp>
+      <p:pic>
+        <p:nvPicPr>
+          <p:cNvPr id="3074" name="Picture 2">
+            <a:extLst>
+              <a:ext uri="{FF2B5EF4-FFF2-40B4-BE49-F238E27FC236}">
+                <a16:creationId xmlns:a16="http://schemas.microsoft.com/office/drawing/2014/main" id="{66D43E0C-A121-67FD-2CE8-0820D9D453F0}"/>
+              </a:ext>
+            </a:extLst>
+          </p:cNvPr>
+          <p:cNvPicPr>
+            <a:picLocks noGrp="1" noChangeAspect="1" noChangeArrowheads="1"/>
+          </p:cNvPicPr>
+          <p:nvPr>
+            <p:ph idx="1"/>
+          </p:nvPr>
+        </p:nvPicPr>
+        <p:blipFill>
+          <a:blip r:embed="rId2">
+            <a:extLst>
+              <a:ext uri="{28A0092B-C50C-407E-A947-70E740481C1C}">
+                <a14:useLocalDpi xmlns:a14="http://schemas.microsoft.com/office/drawing/2010/main" val="0"/>
+              </a:ext>
+            </a:extLst>
+          </a:blip>
+          <a:srcRect/>
+          <a:stretch>
+            <a:fillRect/>
+          </a:stretch>
+        </p:blipFill>
+        <p:spPr bwMode="auto">
+          <a:xfrm>
+            <a:off x="4267200" y="213939"/>
+            <a:ext cx="8059271" cy="6430122"/>
+          </a:xfrm>
+          <a:prstGeom prst="rect">
+            <a:avLst/>
+          </a:prstGeom>
+          <a:noFill/>
+          <a:extLst>
+            <a:ext uri="{909E8E84-426E-40DD-AFC4-6F175D3DCCD1}">
+              <a14:hiddenFill xmlns:a14="http://schemas.microsoft.com/office/drawing/2010/main">
+                <a:solidFill>
+                  <a:srgbClr val="FFFFFF"/>
+                </a:solidFill>
+              </a14:hiddenFill>
+            </a:ext>
+          </a:extLst>
+        </p:spPr>
+      </p:pic>
+      <p:pic>
+        <p:nvPicPr>
+          <p:cNvPr id="3076" name="Picture 4">
+            <a:extLst>
+              <a:ext uri="{FF2B5EF4-FFF2-40B4-BE49-F238E27FC236}">
+                <a16:creationId xmlns:a16="http://schemas.microsoft.com/office/drawing/2014/main" id="{1233537B-7F47-9E05-AEDF-3F03455CF51D}"/>
+              </a:ext>
+            </a:extLst>
+          </p:cNvPr>
+          <p:cNvPicPr>
+            <a:picLocks noChangeAspect="1" noChangeArrowheads="1"/>
+          </p:cNvPicPr>
+          <p:nvPr/>
+        </p:nvPicPr>
+        <p:blipFill>
+          <a:blip r:embed="rId3">
+            <a:extLst>
+              <a:ext uri="{28A0092B-C50C-407E-A947-70E740481C1C}">
+                <a14:useLocalDpi xmlns:a14="http://schemas.microsoft.com/office/drawing/2010/main" val="0"/>
+              </a:ext>
+            </a:extLst>
+          </a:blip>
+          <a:srcRect/>
+          <a:stretch>
+            <a:fillRect/>
+          </a:stretch>
+        </p:blipFill>
+        <p:spPr bwMode="auto">
+          <a:xfrm>
+            <a:off x="262431" y="2163856"/>
+            <a:ext cx="4004769" cy="1682003"/>
+          </a:xfrm>
+          <a:prstGeom prst="rect">
+            <a:avLst/>
+          </a:prstGeom>
+          <a:noFill/>
+          <a:extLst>
+            <a:ext uri="{909E8E84-426E-40DD-AFC4-6F175D3DCCD1}">
+              <a14:hiddenFill xmlns:a14="http://schemas.microsoft.com/office/drawing/2010/main">
+                <a:solidFill>
+                  <a:srgbClr val="FFFFFF"/>
+                </a:solidFill>
+              </a14:hiddenFill>
+            </a:ext>
+          </a:extLst>
+        </p:spPr>
+      </p:pic>
+      <p:pic>
+        <p:nvPicPr>
+          <p:cNvPr id="3078" name="Picture 6">
+            <a:extLst>
+              <a:ext uri="{FF2B5EF4-FFF2-40B4-BE49-F238E27FC236}">
+                <a16:creationId xmlns:a16="http://schemas.microsoft.com/office/drawing/2014/main" id="{42DCE9A7-561E-4D16-3287-34D4E2D6D35C}"/>
+              </a:ext>
+            </a:extLst>
+          </p:cNvPr>
+          <p:cNvPicPr>
+            <a:picLocks noChangeAspect="1" noChangeArrowheads="1"/>
+          </p:cNvPicPr>
+          <p:nvPr/>
+        </p:nvPicPr>
+        <p:blipFill>
+          <a:blip r:embed="rId4">
+            <a:extLst>
+              <a:ext uri="{28A0092B-C50C-407E-A947-70E740481C1C}">
+                <a14:useLocalDpi xmlns:a14="http://schemas.microsoft.com/office/drawing/2010/main" val="0"/>
+              </a:ext>
+            </a:extLst>
+          </a:blip>
+          <a:srcRect/>
+          <a:stretch>
+            <a:fillRect/>
+          </a:stretch>
+        </p:blipFill>
+        <p:spPr bwMode="auto">
+          <a:xfrm>
+            <a:off x="672352" y="4186518"/>
+            <a:ext cx="3594848" cy="2196212"/>
+          </a:xfrm>
+          <a:prstGeom prst="rect">
+            <a:avLst/>
+          </a:prstGeom>
+          <a:noFill/>
+          <a:extLst>
+            <a:ext uri="{909E8E84-426E-40DD-AFC4-6F175D3DCCD1}">
+              <a14:hiddenFill xmlns:a14="http://schemas.microsoft.com/office/drawing/2010/main">
+                <a:solidFill>
+                  <a:srgbClr val="FFFFFF"/>
+                </a:solidFill>
+              </a14:hiddenFill>
+            </a:ext>
+          </a:extLst>
+        </p:spPr>
+      </p:pic>
+    </p:spTree>
+    <p:extLst>
+      <p:ext uri="{BB962C8B-B14F-4D97-AF65-F5344CB8AC3E}">
+        <p14:creationId xmlns:p14="http://schemas.microsoft.com/office/powerpoint/2010/main" val="4249526579"/>
+      </p:ext>
+    </p:extLst>
+  </p:cSld>
+  <p:clrMapOvr>
+    <a:masterClrMapping/>
+  </p:clrMapOvr>
+</p:sld>
+</file>
+
+<file path=ppt/slides/slide14.xml><?xml version="1.0" encoding="utf-8"?>
+<p:sld xmlns:a="http://schemas.openxmlformats.org/drawingml/2006/main" xmlns:r="http://schemas.openxmlformats.org/officeDocument/2006/relationships" xmlns:p="http://schemas.openxmlformats.org/presentationml/2006/main">
+  <p:cSld>
+    <p:spTree>
+      <p:nvGrpSpPr>
+        <p:cNvPr id="1" name="">
+          <a:extLst>
+            <a:ext uri="{FF2B5EF4-FFF2-40B4-BE49-F238E27FC236}">
+              <a16:creationId xmlns:a16="http://schemas.microsoft.com/office/drawing/2014/main" id="{45EDC199-C2F7-08CE-B7F0-305F69C45D0E}"/>
+            </a:ext>
+          </a:extLst>
+        </p:cNvPr>
+        <p:cNvGrpSpPr/>
+        <p:nvPr/>
+      </p:nvGrpSpPr>
+      <p:grpSpPr>
+        <a:xfrm>
+          <a:off x="0" y="0"/>
+          <a:ext cx="0" cy="0"/>
+          <a:chOff x="0" y="0"/>
+          <a:chExt cx="0" cy="0"/>
+        </a:xfrm>
+      </p:grpSpPr>
+      <p:sp>
+        <p:nvSpPr>
+          <p:cNvPr id="4" name="Textfeld 3">
+            <a:extLst>
+              <a:ext uri="{FF2B5EF4-FFF2-40B4-BE49-F238E27FC236}">
+                <a16:creationId xmlns:a16="http://schemas.microsoft.com/office/drawing/2014/main" id="{F55878A1-EA6E-F88E-3E01-4138F01FBFCD}"/>
+              </a:ext>
+            </a:extLst>
+          </p:cNvPr>
+          <p:cNvSpPr txBox="1"/>
+          <p:nvPr/>
+        </p:nvSpPr>
+        <p:spPr>
+          <a:xfrm>
+            <a:off x="4023880" y="2767280"/>
+            <a:ext cx="4144240" cy="1323439"/>
+          </a:xfrm>
+          <a:prstGeom prst="rect">
+            <a:avLst/>
+          </a:prstGeom>
+          <a:noFill/>
+        </p:spPr>
+        <p:txBody>
+          <a:bodyPr wrap="square">
+            <a:spAutoFit/>
+          </a:bodyPr>
+          <a:lstStyle/>
+          <a:p>
+            <a:r>
+              <a:rPr lang="en-GB" sz="8000" dirty="0"/>
+              <a:t>Frontend</a:t>
+            </a:r>
+            <a:endParaRPr lang="en-DE" sz="8000" dirty="0"/>
+          </a:p>
+        </p:txBody>
+      </p:sp>
+    </p:spTree>
+    <p:extLst>
+      <p:ext uri="{BB962C8B-B14F-4D97-AF65-F5344CB8AC3E}">
+        <p14:creationId xmlns:p14="http://schemas.microsoft.com/office/powerpoint/2010/main" val="621613975"/>
+      </p:ext>
+    </p:extLst>
+  </p:cSld>
+  <p:clrMapOvr>
+    <a:masterClrMapping/>
+  </p:clrMapOvr>
+</p:sld>
+</file>
+
+<file path=ppt/slides/slide15.xml><?xml version="1.0" encoding="utf-8"?>
+<p:sld xmlns:a="http://schemas.openxmlformats.org/drawingml/2006/main" xmlns:r="http://schemas.openxmlformats.org/officeDocument/2006/relationships" xmlns:p="http://schemas.openxmlformats.org/presentationml/2006/main">
+  <p:cSld>
+    <p:spTree>
+      <p:nvGrpSpPr>
+        <p:cNvPr id="1" name=""/>
+        <p:cNvGrpSpPr/>
+        <p:nvPr/>
+      </p:nvGrpSpPr>
+      <p:grpSpPr>
+        <a:xfrm>
+          <a:off x="0" y="0"/>
+          <a:ext cx="0" cy="0"/>
+          <a:chOff x="0" y="0"/>
+          <a:chExt cx="0" cy="0"/>
+        </a:xfrm>
+      </p:grpSpPr>
+      <p:sp>
+        <p:nvSpPr>
+          <p:cNvPr id="2" name="Textfeld 1">
+            <a:extLst>
+              <a:ext uri="{FF2B5EF4-FFF2-40B4-BE49-F238E27FC236}">
+                <a16:creationId xmlns:a16="http://schemas.microsoft.com/office/drawing/2014/main" id="{A34F71D3-60D9-F727-675F-01364D0A85BE}"/>
+              </a:ext>
+            </a:extLst>
+          </p:cNvPr>
+          <p:cNvSpPr txBox="1"/>
+          <p:nvPr/>
+        </p:nvSpPr>
+        <p:spPr>
+          <a:xfrm>
+            <a:off x="0" y="2828835"/>
+            <a:ext cx="6318250" cy="1200329"/>
+          </a:xfrm>
+          <a:prstGeom prst="rect">
+            <a:avLst/>
+          </a:prstGeom>
+          <a:noFill/>
+        </p:spPr>
+        <p:txBody>
+          <a:bodyPr wrap="square" rtlCol="0">
+            <a:spAutoFit/>
+          </a:bodyPr>
+          <a:lstStyle/>
+          <a:p>
+            <a:pPr marL="285750" indent="-285750">
+              <a:buFontTx/>
+              <a:buChar char="-"/>
+            </a:pPr>
+            <a:r>
+              <a:rPr lang="en-GB" sz="2400" dirty="0" err="1"/>
+              <a:t>AuthProvider</a:t>
+            </a:r>
+            <a:r>
+              <a:rPr lang="en-GB" sz="2400" dirty="0"/>
+              <a:t>: Attempts to authenticate user</a:t>
+            </a:r>
+          </a:p>
+          <a:p>
+            <a:pPr marL="285750" indent="-285750">
+              <a:buFontTx/>
+              <a:buChar char="-"/>
+            </a:pPr>
+            <a:r>
+              <a:rPr lang="en-GB" sz="2400" dirty="0"/>
+              <a:t>Router: Displays different elements depending on Route</a:t>
+            </a:r>
+            <a:endParaRPr lang="en-DE" sz="2400" dirty="0"/>
+          </a:p>
+        </p:txBody>
+      </p:sp>
+      <p:pic>
+        <p:nvPicPr>
+          <p:cNvPr id="4" name="Grafik 3">
+            <a:extLst>
+              <a:ext uri="{FF2B5EF4-FFF2-40B4-BE49-F238E27FC236}">
+                <a16:creationId xmlns:a16="http://schemas.microsoft.com/office/drawing/2014/main" id="{F1A17BE8-DDFE-C62D-CEE7-80CA17310F27}"/>
+              </a:ext>
+            </a:extLst>
+          </p:cNvPr>
+          <p:cNvPicPr>
+            <a:picLocks noChangeAspect="1"/>
+          </p:cNvPicPr>
+          <p:nvPr/>
+        </p:nvPicPr>
+        <p:blipFill>
+          <a:blip r:embed="rId2"/>
+          <a:stretch>
+            <a:fillRect/>
+          </a:stretch>
+        </p:blipFill>
+        <p:spPr>
+          <a:xfrm>
+            <a:off x="6235699" y="1933833"/>
+            <a:ext cx="5824457" cy="2990334"/>
+          </a:xfrm>
+          <a:prstGeom prst="rect">
+            <a:avLst/>
+          </a:prstGeom>
+        </p:spPr>
+      </p:pic>
+      <p:sp>
+        <p:nvSpPr>
+          <p:cNvPr id="5" name="Textfeld 4">
+            <a:extLst>
+              <a:ext uri="{FF2B5EF4-FFF2-40B4-BE49-F238E27FC236}">
+                <a16:creationId xmlns:a16="http://schemas.microsoft.com/office/drawing/2014/main" id="{440398AF-112A-E9CA-0127-AD1D44E35D37}"/>
+              </a:ext>
+            </a:extLst>
+          </p:cNvPr>
+          <p:cNvSpPr txBox="1"/>
+          <p:nvPr/>
+        </p:nvSpPr>
+        <p:spPr>
+          <a:xfrm>
+            <a:off x="304800" y="240404"/>
+            <a:ext cx="6096000" cy="707886"/>
+          </a:xfrm>
+          <a:prstGeom prst="rect">
+            <a:avLst/>
+          </a:prstGeom>
+          <a:noFill/>
+        </p:spPr>
+        <p:txBody>
+          <a:bodyPr wrap="square">
+            <a:spAutoFit/>
+          </a:bodyPr>
+          <a:lstStyle/>
+          <a:p>
+            <a:r>
+              <a:rPr lang="en-GB" sz="4000" dirty="0"/>
+              <a:t>Index.js</a:t>
+            </a:r>
+          </a:p>
+        </p:txBody>
+      </p:sp>
+    </p:spTree>
+    <p:extLst>
+      <p:ext uri="{BB962C8B-B14F-4D97-AF65-F5344CB8AC3E}">
+        <p14:creationId xmlns:p14="http://schemas.microsoft.com/office/powerpoint/2010/main" val="1784251595"/>
+      </p:ext>
+    </p:extLst>
+  </p:cSld>
+  <p:clrMapOvr>
+    <a:masterClrMapping/>
+  </p:clrMapOvr>
+</p:sld>
+</file>
+
+<file path=ppt/slides/slide16.xml><?xml version="1.0" encoding="utf-8"?>
+<p:sld xmlns:a="http://schemas.openxmlformats.org/drawingml/2006/main" xmlns:r="http://schemas.openxmlformats.org/officeDocument/2006/relationships" xmlns:p="http://schemas.openxmlformats.org/presentationml/2006/main">
+  <p:cSld>
+    <p:spTree>
+      <p:nvGrpSpPr>
+        <p:cNvPr id="1" name=""/>
+        <p:cNvGrpSpPr/>
+        <p:nvPr/>
+      </p:nvGrpSpPr>
+      <p:grpSpPr>
+        <a:xfrm>
+          <a:off x="0" y="0"/>
+          <a:ext cx="0" cy="0"/>
+          <a:chOff x="0" y="0"/>
+          <a:chExt cx="0" cy="0"/>
+        </a:xfrm>
+      </p:grpSpPr>
       <p:pic>
         <p:nvPicPr>
           <p:cNvPr id="3" name="Grafik 2">
@@ -3740,7 +4466,7 @@
 </p:sld>
 </file>
 
-<file path=ppt/slides/slide12.xml><?xml version="1.0" encoding="utf-8"?>
+<file path=ppt/slides/slide17.xml><?xml version="1.0" encoding="utf-8"?>
 <p:sld xmlns:a="http://schemas.openxmlformats.org/drawingml/2006/main" xmlns:r="http://schemas.openxmlformats.org/officeDocument/2006/relationships" xmlns:p="http://schemas.openxmlformats.org/presentationml/2006/main">
   <p:cSld>
     <p:spTree>
@@ -3890,7 +4616,7 @@
 </p:sld>
 </file>
 
-<file path=ppt/slides/slide13.xml><?xml version="1.0" encoding="utf-8"?>
+<file path=ppt/slides/slide18.xml><?xml version="1.0" encoding="utf-8"?>
 <p:sld xmlns:a="http://schemas.openxmlformats.org/drawingml/2006/main" xmlns:r="http://schemas.openxmlformats.org/officeDocument/2006/relationships" xmlns:p="http://schemas.openxmlformats.org/presentationml/2006/main">
   <p:cSld>
     <p:spTree>
@@ -4075,7 +4801,7 @@
 </p:sld>
 </file>
 
-<file path=ppt/slides/slide14.xml><?xml version="1.0" encoding="utf-8"?>
+<file path=ppt/slides/slide19.xml><?xml version="1.0" encoding="utf-8"?>
 <p:sld xmlns:a="http://schemas.openxmlformats.org/drawingml/2006/main" xmlns:r="http://schemas.openxmlformats.org/officeDocument/2006/relationships" xmlns:p="http://schemas.openxmlformats.org/presentationml/2006/main">
   <p:cSld>
     <p:spTree>
@@ -4246,288 +4972,6 @@
     <p:extLst>
       <p:ext uri="{BB962C8B-B14F-4D97-AF65-F5344CB8AC3E}">
         <p14:creationId xmlns:p14="http://schemas.microsoft.com/office/powerpoint/2010/main" val="2866897458"/>
-      </p:ext>
-    </p:extLst>
-  </p:cSld>
-  <p:clrMapOvr>
-    <a:masterClrMapping/>
-  </p:clrMapOvr>
-</p:sld>
-</file>
-
-<file path=ppt/slides/slide15.xml><?xml version="1.0" encoding="utf-8"?>
-<p:sld xmlns:a="http://schemas.openxmlformats.org/drawingml/2006/main" xmlns:r="http://schemas.openxmlformats.org/officeDocument/2006/relationships" xmlns:p="http://schemas.openxmlformats.org/presentationml/2006/main">
-  <p:cSld>
-    <p:spTree>
-      <p:nvGrpSpPr>
-        <p:cNvPr id="1" name="">
-          <a:extLst>
-            <a:ext uri="{FF2B5EF4-FFF2-40B4-BE49-F238E27FC236}">
-              <a16:creationId xmlns:a16="http://schemas.microsoft.com/office/drawing/2014/main" id="{6790781F-CF9A-F8E5-90F8-3CD3BC023086}"/>
-            </a:ext>
-          </a:extLst>
-        </p:cNvPr>
-        <p:cNvGrpSpPr/>
-        <p:nvPr/>
-      </p:nvGrpSpPr>
-      <p:grpSpPr>
-        <a:xfrm>
-          <a:off x="0" y="0"/>
-          <a:ext cx="0" cy="0"/>
-          <a:chOff x="0" y="0"/>
-          <a:chExt cx="0" cy="0"/>
-        </a:xfrm>
-      </p:grpSpPr>
-      <p:sp>
-        <p:nvSpPr>
-          <p:cNvPr id="4" name="Textfeld 3">
-            <a:extLst>
-              <a:ext uri="{FF2B5EF4-FFF2-40B4-BE49-F238E27FC236}">
-                <a16:creationId xmlns:a16="http://schemas.microsoft.com/office/drawing/2014/main" id="{4DCB4081-8D6A-6A5A-9BE8-EB7EDAA3D3F8}"/>
-              </a:ext>
-            </a:extLst>
-          </p:cNvPr>
-          <p:cNvSpPr txBox="1"/>
-          <p:nvPr/>
-        </p:nvSpPr>
-        <p:spPr>
-          <a:xfrm>
-            <a:off x="304800" y="240404"/>
-            <a:ext cx="6096000" cy="707886"/>
-          </a:xfrm>
-          <a:prstGeom prst="rect">
-            <a:avLst/>
-          </a:prstGeom>
-          <a:noFill/>
-        </p:spPr>
-        <p:txBody>
-          <a:bodyPr wrap="square">
-            <a:spAutoFit/>
-          </a:bodyPr>
-          <a:lstStyle/>
-          <a:p>
-            <a:r>
-              <a:rPr lang="en-GB" sz="4000" dirty="0"/>
-              <a:t>Server.js socket</a:t>
-            </a:r>
-          </a:p>
-        </p:txBody>
-      </p:sp>
-      <p:pic>
-        <p:nvPicPr>
-          <p:cNvPr id="11" name="Grafik 10">
-            <a:extLst>
-              <a:ext uri="{FF2B5EF4-FFF2-40B4-BE49-F238E27FC236}">
-                <a16:creationId xmlns:a16="http://schemas.microsoft.com/office/drawing/2014/main" id="{39EC03A6-9266-AE2B-9214-4D4D5591757E}"/>
-              </a:ext>
-            </a:extLst>
-          </p:cNvPr>
-          <p:cNvPicPr>
-            <a:picLocks noChangeAspect="1"/>
-          </p:cNvPicPr>
-          <p:nvPr/>
-        </p:nvPicPr>
-        <p:blipFill>
-          <a:blip r:embed="rId2"/>
-          <a:stretch>
-            <a:fillRect/>
-          </a:stretch>
-        </p:blipFill>
-        <p:spPr>
-          <a:xfrm>
-            <a:off x="5202070" y="948289"/>
-            <a:ext cx="5923579" cy="1521955"/>
-          </a:xfrm>
-          <a:prstGeom prst="rect">
-            <a:avLst/>
-          </a:prstGeom>
-        </p:spPr>
-      </p:pic>
-      <p:sp>
-        <p:nvSpPr>
-          <p:cNvPr id="5" name="Textfeld 4">
-            <a:extLst>
-              <a:ext uri="{FF2B5EF4-FFF2-40B4-BE49-F238E27FC236}">
-                <a16:creationId xmlns:a16="http://schemas.microsoft.com/office/drawing/2014/main" id="{CBC10A8D-D700-E309-28CE-5AAB7354F460}"/>
-              </a:ext>
-            </a:extLst>
-          </p:cNvPr>
-          <p:cNvSpPr txBox="1"/>
-          <p:nvPr/>
-        </p:nvSpPr>
-        <p:spPr>
-          <a:xfrm>
-            <a:off x="193675" y="2863292"/>
-            <a:ext cx="6318250" cy="830997"/>
-          </a:xfrm>
-          <a:prstGeom prst="rect">
-            <a:avLst/>
-          </a:prstGeom>
-          <a:noFill/>
-        </p:spPr>
-        <p:txBody>
-          <a:bodyPr wrap="square" rtlCol="0">
-            <a:spAutoFit/>
-          </a:bodyPr>
-          <a:lstStyle/>
-          <a:p>
-            <a:pPr marL="285750" indent="-285750">
-              <a:buFontTx/>
-              <a:buChar char="-"/>
-            </a:pPr>
-            <a:r>
-              <a:rPr lang="en-GB" sz="2400" dirty="0"/>
-              <a:t>Authenticate using passport</a:t>
-            </a:r>
-          </a:p>
-          <a:p>
-            <a:pPr marL="285750" indent="-285750">
-              <a:buFontTx/>
-              <a:buChar char="-"/>
-            </a:pPr>
-            <a:r>
-              <a:rPr lang="en-GB" sz="2400" dirty="0"/>
-              <a:t>Use token payload</a:t>
-            </a:r>
-          </a:p>
-        </p:txBody>
-      </p:sp>
-      <p:pic>
-        <p:nvPicPr>
-          <p:cNvPr id="10" name="Grafik 9">
-            <a:extLst>
-              <a:ext uri="{FF2B5EF4-FFF2-40B4-BE49-F238E27FC236}">
-                <a16:creationId xmlns:a16="http://schemas.microsoft.com/office/drawing/2014/main" id="{1E6ABF51-7E7F-8736-95AB-1DF2ADB56156}"/>
-              </a:ext>
-            </a:extLst>
-          </p:cNvPr>
-          <p:cNvPicPr>
-            <a:picLocks noChangeAspect="1"/>
-          </p:cNvPicPr>
-          <p:nvPr/>
-        </p:nvPicPr>
-        <p:blipFill>
-          <a:blip r:embed="rId3"/>
-          <a:stretch>
-            <a:fillRect/>
-          </a:stretch>
-        </p:blipFill>
-        <p:spPr>
-          <a:xfrm>
-            <a:off x="5202070" y="2583513"/>
-            <a:ext cx="6815148" cy="2404744"/>
-          </a:xfrm>
-          <a:prstGeom prst="rect">
-            <a:avLst/>
-          </a:prstGeom>
-        </p:spPr>
-      </p:pic>
-      <p:pic>
-        <p:nvPicPr>
-          <p:cNvPr id="14" name="Grafik 13">
-            <a:extLst>
-              <a:ext uri="{FF2B5EF4-FFF2-40B4-BE49-F238E27FC236}">
-                <a16:creationId xmlns:a16="http://schemas.microsoft.com/office/drawing/2014/main" id="{B7F701AF-CAB3-2E97-18B8-2A49DEAFAED2}"/>
-              </a:ext>
-            </a:extLst>
-          </p:cNvPr>
-          <p:cNvPicPr>
-            <a:picLocks noChangeAspect="1"/>
-          </p:cNvPicPr>
-          <p:nvPr/>
-        </p:nvPicPr>
-        <p:blipFill>
-          <a:blip r:embed="rId4"/>
-          <a:stretch>
-            <a:fillRect/>
-          </a:stretch>
-        </p:blipFill>
-        <p:spPr>
-          <a:xfrm>
-            <a:off x="5202070" y="5104661"/>
-            <a:ext cx="5535631" cy="1009259"/>
-          </a:xfrm>
-          <a:prstGeom prst="rect">
-            <a:avLst/>
-          </a:prstGeom>
-        </p:spPr>
-      </p:pic>
-    </p:spTree>
-    <p:extLst>
-      <p:ext uri="{BB962C8B-B14F-4D97-AF65-F5344CB8AC3E}">
-        <p14:creationId xmlns:p14="http://schemas.microsoft.com/office/powerpoint/2010/main" val="1241149701"/>
-      </p:ext>
-    </p:extLst>
-  </p:cSld>
-  <p:clrMapOvr>
-    <a:masterClrMapping/>
-  </p:clrMapOvr>
-</p:sld>
-</file>
-
-<file path=ppt/slides/slide16.xml><?xml version="1.0" encoding="utf-8"?>
-<p:sld xmlns:a="http://schemas.openxmlformats.org/drawingml/2006/main" xmlns:r="http://schemas.openxmlformats.org/officeDocument/2006/relationships" xmlns:p="http://schemas.openxmlformats.org/presentationml/2006/main">
-  <p:cSld>
-    <p:spTree>
-      <p:nvGrpSpPr>
-        <p:cNvPr id="1" name="">
-          <a:extLst>
-            <a:ext uri="{FF2B5EF4-FFF2-40B4-BE49-F238E27FC236}">
-              <a16:creationId xmlns:a16="http://schemas.microsoft.com/office/drawing/2014/main" id="{3DCDD1FA-359A-2369-1C5A-26851B66743A}"/>
-            </a:ext>
-          </a:extLst>
-        </p:cNvPr>
-        <p:cNvGrpSpPr/>
-        <p:nvPr/>
-      </p:nvGrpSpPr>
-      <p:grpSpPr>
-        <a:xfrm>
-          <a:off x="0" y="0"/>
-          <a:ext cx="0" cy="0"/>
-          <a:chOff x="0" y="0"/>
-          <a:chExt cx="0" cy="0"/>
-        </a:xfrm>
-      </p:grpSpPr>
-      <p:sp>
-        <p:nvSpPr>
-          <p:cNvPr id="4" name="Textfeld 3">
-            <a:extLst>
-              <a:ext uri="{FF2B5EF4-FFF2-40B4-BE49-F238E27FC236}">
-                <a16:creationId xmlns:a16="http://schemas.microsoft.com/office/drawing/2014/main" id="{B33D312C-B8E0-6DA5-E7CC-7AC86B555AF3}"/>
-              </a:ext>
-            </a:extLst>
-          </p:cNvPr>
-          <p:cNvSpPr txBox="1"/>
-          <p:nvPr/>
-        </p:nvSpPr>
-        <p:spPr>
-          <a:xfrm>
-            <a:off x="4609090" y="2767280"/>
-            <a:ext cx="2973820" cy="1323439"/>
-          </a:xfrm>
-          <a:prstGeom prst="rect">
-            <a:avLst/>
-          </a:prstGeom>
-          <a:noFill/>
-        </p:spPr>
-        <p:txBody>
-          <a:bodyPr wrap="square">
-            <a:spAutoFit/>
-          </a:bodyPr>
-          <a:lstStyle/>
-          <a:p>
-            <a:r>
-              <a:rPr lang="en-GB" sz="8000" dirty="0"/>
-              <a:t>Demo</a:t>
-            </a:r>
-            <a:endParaRPr lang="en-DE" sz="8000" dirty="0"/>
-          </a:p>
-        </p:txBody>
-      </p:sp>
-    </p:spTree>
-    <p:extLst>
-      <p:ext uri="{BB962C8B-B14F-4D97-AF65-F5344CB8AC3E}">
-        <p14:creationId xmlns:p14="http://schemas.microsoft.com/office/powerpoint/2010/main" val="365339460"/>
       </p:ext>
     </p:extLst>
   </p:cSld>
@@ -4556,10 +5000,10 @@
       </p:grpSpPr>
       <p:sp>
         <p:nvSpPr>
-          <p:cNvPr id="2" name="Textfeld 1">
-            <a:extLst>
-              <a:ext uri="{FF2B5EF4-FFF2-40B4-BE49-F238E27FC236}">
-                <a16:creationId xmlns:a16="http://schemas.microsoft.com/office/drawing/2014/main" id="{111F107C-E54B-47FF-734E-E251D5235FF6}"/>
+          <p:cNvPr id="4" name="Textfeld 3">
+            <a:extLst>
+              <a:ext uri="{FF2B5EF4-FFF2-40B4-BE49-F238E27FC236}">
+                <a16:creationId xmlns:a16="http://schemas.microsoft.com/office/drawing/2014/main" id="{09953E74-8DA9-D362-DC97-A7CD7FFAB777}"/>
               </a:ext>
             </a:extLst>
           </p:cNvPr>
@@ -4568,8 +5012,8 @@
         </p:nvSpPr>
         <p:spPr>
           <a:xfrm>
-            <a:off x="1276350" y="1416050"/>
-            <a:ext cx="4375150" cy="369332"/>
+            <a:off x="2681145" y="2481530"/>
+            <a:ext cx="6829709" cy="1323439"/>
           </a:xfrm>
           <a:prstGeom prst="rect">
             <a:avLst/>
@@ -4577,23 +5021,949 @@
           <a:noFill/>
         </p:spPr>
         <p:txBody>
+          <a:bodyPr wrap="square">
+            <a:spAutoFit/>
+          </a:bodyPr>
+          <a:lstStyle/>
+          <a:p>
+            <a:r>
+              <a:rPr lang="en-GB" sz="8000" dirty="0"/>
+              <a:t>Authentication</a:t>
+            </a:r>
+            <a:endParaRPr lang="en-DE" sz="8000" dirty="0"/>
+          </a:p>
+        </p:txBody>
+      </p:sp>
+    </p:spTree>
+    <p:extLst>
+      <p:ext uri="{BB962C8B-B14F-4D97-AF65-F5344CB8AC3E}">
+        <p14:creationId xmlns:p14="http://schemas.microsoft.com/office/powerpoint/2010/main" val="4243687994"/>
+      </p:ext>
+    </p:extLst>
+  </p:cSld>
+  <p:clrMapOvr>
+    <a:masterClrMapping/>
+  </p:clrMapOvr>
+</p:sld>
+</file>
+
+<file path=ppt/slides/slide20.xml><?xml version="1.0" encoding="utf-8"?>
+<p:sld xmlns:a="http://schemas.openxmlformats.org/drawingml/2006/main" xmlns:r="http://schemas.openxmlformats.org/officeDocument/2006/relationships" xmlns:p="http://schemas.openxmlformats.org/presentationml/2006/main">
+  <p:cSld>
+    <p:spTree>
+      <p:nvGrpSpPr>
+        <p:cNvPr id="1" name="">
+          <a:extLst>
+            <a:ext uri="{FF2B5EF4-FFF2-40B4-BE49-F238E27FC236}">
+              <a16:creationId xmlns:a16="http://schemas.microsoft.com/office/drawing/2014/main" id="{6790781F-CF9A-F8E5-90F8-3CD3BC023086}"/>
+            </a:ext>
+          </a:extLst>
+        </p:cNvPr>
+        <p:cNvGrpSpPr/>
+        <p:nvPr/>
+      </p:nvGrpSpPr>
+      <p:grpSpPr>
+        <a:xfrm>
+          <a:off x="0" y="0"/>
+          <a:ext cx="0" cy="0"/>
+          <a:chOff x="0" y="0"/>
+          <a:chExt cx="0" cy="0"/>
+        </a:xfrm>
+      </p:grpSpPr>
+      <p:sp>
+        <p:nvSpPr>
+          <p:cNvPr id="4" name="Textfeld 3">
+            <a:extLst>
+              <a:ext uri="{FF2B5EF4-FFF2-40B4-BE49-F238E27FC236}">
+                <a16:creationId xmlns:a16="http://schemas.microsoft.com/office/drawing/2014/main" id="{4DCB4081-8D6A-6A5A-9BE8-EB7EDAA3D3F8}"/>
+              </a:ext>
+            </a:extLst>
+          </p:cNvPr>
+          <p:cNvSpPr txBox="1"/>
+          <p:nvPr/>
+        </p:nvSpPr>
+        <p:spPr>
+          <a:xfrm>
+            <a:off x="304800" y="240404"/>
+            <a:ext cx="6096000" cy="707886"/>
+          </a:xfrm>
+          <a:prstGeom prst="rect">
+            <a:avLst/>
+          </a:prstGeom>
+          <a:noFill/>
+        </p:spPr>
+        <p:txBody>
+          <a:bodyPr wrap="square">
+            <a:spAutoFit/>
+          </a:bodyPr>
+          <a:lstStyle/>
+          <a:p>
+            <a:r>
+              <a:rPr lang="en-GB" sz="4000" dirty="0"/>
+              <a:t>Server.js socket</a:t>
+            </a:r>
+          </a:p>
+        </p:txBody>
+      </p:sp>
+      <p:pic>
+        <p:nvPicPr>
+          <p:cNvPr id="11" name="Grafik 10">
+            <a:extLst>
+              <a:ext uri="{FF2B5EF4-FFF2-40B4-BE49-F238E27FC236}">
+                <a16:creationId xmlns:a16="http://schemas.microsoft.com/office/drawing/2014/main" id="{39EC03A6-9266-AE2B-9214-4D4D5591757E}"/>
+              </a:ext>
+            </a:extLst>
+          </p:cNvPr>
+          <p:cNvPicPr>
+            <a:picLocks noChangeAspect="1"/>
+          </p:cNvPicPr>
+          <p:nvPr/>
+        </p:nvPicPr>
+        <p:blipFill>
+          <a:blip r:embed="rId2"/>
+          <a:stretch>
+            <a:fillRect/>
+          </a:stretch>
+        </p:blipFill>
+        <p:spPr>
+          <a:xfrm>
+            <a:off x="5202070" y="948289"/>
+            <a:ext cx="5923579" cy="1521955"/>
+          </a:xfrm>
+          <a:prstGeom prst="rect">
+            <a:avLst/>
+          </a:prstGeom>
+        </p:spPr>
+      </p:pic>
+      <p:sp>
+        <p:nvSpPr>
+          <p:cNvPr id="5" name="Textfeld 4">
+            <a:extLst>
+              <a:ext uri="{FF2B5EF4-FFF2-40B4-BE49-F238E27FC236}">
+                <a16:creationId xmlns:a16="http://schemas.microsoft.com/office/drawing/2014/main" id="{CBC10A8D-D700-E309-28CE-5AAB7354F460}"/>
+              </a:ext>
+            </a:extLst>
+          </p:cNvPr>
+          <p:cNvSpPr txBox="1"/>
+          <p:nvPr/>
+        </p:nvSpPr>
+        <p:spPr>
+          <a:xfrm>
+            <a:off x="193675" y="2863292"/>
+            <a:ext cx="6318250" cy="830997"/>
+          </a:xfrm>
+          <a:prstGeom prst="rect">
+            <a:avLst/>
+          </a:prstGeom>
+          <a:noFill/>
+        </p:spPr>
+        <p:txBody>
           <a:bodyPr wrap="square" rtlCol="0">
             <a:spAutoFit/>
           </a:bodyPr>
           <a:lstStyle/>
           <a:p>
-            <a:r>
-              <a:rPr lang="en-GB" dirty="0"/>
-              <a:t>Goals:</a:t>
-            </a:r>
-            <a:endParaRPr lang="en-DE" dirty="0"/>
-          </a:p>
-        </p:txBody>
-      </p:sp>
+            <a:pPr marL="285750" indent="-285750">
+              <a:buFontTx/>
+              <a:buChar char="-"/>
+            </a:pPr>
+            <a:r>
+              <a:rPr lang="en-GB" sz="2400" dirty="0"/>
+              <a:t>Authenticate using passport</a:t>
+            </a:r>
+          </a:p>
+          <a:p>
+            <a:pPr marL="285750" indent="-285750">
+              <a:buFontTx/>
+              <a:buChar char="-"/>
+            </a:pPr>
+            <a:r>
+              <a:rPr lang="en-GB" sz="2400" dirty="0"/>
+              <a:t>Use token payload</a:t>
+            </a:r>
+          </a:p>
+        </p:txBody>
+      </p:sp>
+      <p:pic>
+        <p:nvPicPr>
+          <p:cNvPr id="10" name="Grafik 9">
+            <a:extLst>
+              <a:ext uri="{FF2B5EF4-FFF2-40B4-BE49-F238E27FC236}">
+                <a16:creationId xmlns:a16="http://schemas.microsoft.com/office/drawing/2014/main" id="{1E6ABF51-7E7F-8736-95AB-1DF2ADB56156}"/>
+              </a:ext>
+            </a:extLst>
+          </p:cNvPr>
+          <p:cNvPicPr>
+            <a:picLocks noChangeAspect="1"/>
+          </p:cNvPicPr>
+          <p:nvPr/>
+        </p:nvPicPr>
+        <p:blipFill>
+          <a:blip r:embed="rId3"/>
+          <a:stretch>
+            <a:fillRect/>
+          </a:stretch>
+        </p:blipFill>
+        <p:spPr>
+          <a:xfrm>
+            <a:off x="5202070" y="2583513"/>
+            <a:ext cx="6815148" cy="2404744"/>
+          </a:xfrm>
+          <a:prstGeom prst="rect">
+            <a:avLst/>
+          </a:prstGeom>
+        </p:spPr>
+      </p:pic>
+      <p:pic>
+        <p:nvPicPr>
+          <p:cNvPr id="14" name="Grafik 13">
+            <a:extLst>
+              <a:ext uri="{FF2B5EF4-FFF2-40B4-BE49-F238E27FC236}">
+                <a16:creationId xmlns:a16="http://schemas.microsoft.com/office/drawing/2014/main" id="{B7F701AF-CAB3-2E97-18B8-2A49DEAFAED2}"/>
+              </a:ext>
+            </a:extLst>
+          </p:cNvPr>
+          <p:cNvPicPr>
+            <a:picLocks noChangeAspect="1"/>
+          </p:cNvPicPr>
+          <p:nvPr/>
+        </p:nvPicPr>
+        <p:blipFill>
+          <a:blip r:embed="rId4"/>
+          <a:stretch>
+            <a:fillRect/>
+          </a:stretch>
+        </p:blipFill>
+        <p:spPr>
+          <a:xfrm>
+            <a:off x="5202070" y="5104661"/>
+            <a:ext cx="5535631" cy="1009259"/>
+          </a:xfrm>
+          <a:prstGeom prst="rect">
+            <a:avLst/>
+          </a:prstGeom>
+        </p:spPr>
+      </p:pic>
     </p:spTree>
     <p:extLst>
       <p:ext uri="{BB962C8B-B14F-4D97-AF65-F5344CB8AC3E}">
-        <p14:creationId xmlns:p14="http://schemas.microsoft.com/office/powerpoint/2010/main" val="3669847670"/>
+        <p14:creationId xmlns:p14="http://schemas.microsoft.com/office/powerpoint/2010/main" val="1241149701"/>
+      </p:ext>
+    </p:extLst>
+  </p:cSld>
+  <p:clrMapOvr>
+    <a:masterClrMapping/>
+  </p:clrMapOvr>
+</p:sld>
+</file>
+
+<file path=ppt/slides/slide21.xml><?xml version="1.0" encoding="utf-8"?>
+<p:sld xmlns:a="http://schemas.openxmlformats.org/drawingml/2006/main" xmlns:r="http://schemas.openxmlformats.org/officeDocument/2006/relationships" xmlns:p="http://schemas.openxmlformats.org/presentationml/2006/main">
+  <p:cSld>
+    <p:spTree>
+      <p:nvGrpSpPr>
+        <p:cNvPr id="1" name=""/>
+        <p:cNvGrpSpPr/>
+        <p:nvPr/>
+      </p:nvGrpSpPr>
+      <p:grpSpPr>
+        <a:xfrm>
+          <a:off x="0" y="0"/>
+          <a:ext cx="0" cy="0"/>
+          <a:chOff x="0" y="0"/>
+          <a:chExt cx="0" cy="0"/>
+        </a:xfrm>
+      </p:grpSpPr>
+      <p:sp>
+        <p:nvSpPr>
+          <p:cNvPr id="2" name="Title 1">
+            <a:extLst>
+              <a:ext uri="{FF2B5EF4-FFF2-40B4-BE49-F238E27FC236}">
+                <a16:creationId xmlns:a16="http://schemas.microsoft.com/office/drawing/2014/main" id="{3CFF6C0B-3015-2C9D-53E4-4F38F5787A70}"/>
+              </a:ext>
+            </a:extLst>
+          </p:cNvPr>
+          <p:cNvSpPr>
+            <a:spLocks noGrp="1"/>
+          </p:cNvSpPr>
+          <p:nvPr>
+            <p:ph type="title"/>
+          </p:nvPr>
+        </p:nvSpPr>
+        <p:spPr/>
+        <p:txBody>
+          <a:bodyPr/>
+          <a:lstStyle/>
+          <a:p>
+            <a:r>
+              <a:rPr lang="de-DE" dirty="0"/>
+              <a:t>App.css</a:t>
+            </a:r>
+            <a:endParaRPr lang="bn-IN" dirty="0"/>
+          </a:p>
+        </p:txBody>
+      </p:sp>
+      <p:sp>
+        <p:nvSpPr>
+          <p:cNvPr id="3" name="Content Placeholder 2">
+            <a:extLst>
+              <a:ext uri="{FF2B5EF4-FFF2-40B4-BE49-F238E27FC236}">
+                <a16:creationId xmlns:a16="http://schemas.microsoft.com/office/drawing/2014/main" id="{84F559D0-DBB9-B67A-3B31-506B13C47AE8}"/>
+              </a:ext>
+            </a:extLst>
+          </p:cNvPr>
+          <p:cNvSpPr>
+            <a:spLocks noGrp="1"/>
+          </p:cNvSpPr>
+          <p:nvPr>
+            <p:ph idx="1"/>
+          </p:nvPr>
+        </p:nvSpPr>
+        <p:spPr/>
+        <p:txBody>
+          <a:bodyPr/>
+          <a:lstStyle/>
+          <a:p>
+            <a:r>
+              <a:rPr lang="en-US" dirty="0"/>
+              <a:t>Designed a </a:t>
+            </a:r>
+            <a:r>
+              <a:rPr lang="en-US" b="1" dirty="0"/>
+              <a:t>responsive grid layout</a:t>
+            </a:r>
+            <a:r>
+              <a:rPr lang="en-US" dirty="0"/>
+              <a:t> for displaying camera consoles</a:t>
+            </a:r>
+          </a:p>
+          <a:p>
+            <a:r>
+              <a:rPr lang="en-US" dirty="0"/>
+              <a:t>Unified the styling of </a:t>
+            </a:r>
+            <a:r>
+              <a:rPr lang="en-US" b="1" dirty="0"/>
+              <a:t>Start, Stop, Record, Delete, and Share buttons</a:t>
+            </a:r>
+          </a:p>
+          <a:p>
+            <a:r>
+              <a:rPr lang="en-US" dirty="0"/>
+              <a:t>a </a:t>
+            </a:r>
+            <a:r>
+              <a:rPr lang="en-US" b="1" dirty="0"/>
+              <a:t>loading spinner</a:t>
+            </a:r>
+            <a:r>
+              <a:rPr lang="en-US" dirty="0"/>
+              <a:t> for better user feedback when streams or dashboards are being initialized</a:t>
+            </a:r>
+            <a:endParaRPr lang="bn-IN" dirty="0"/>
+          </a:p>
+        </p:txBody>
+      </p:sp>
+    </p:spTree>
+    <p:extLst>
+      <p:ext uri="{BB962C8B-B14F-4D97-AF65-F5344CB8AC3E}">
+        <p14:creationId xmlns:p14="http://schemas.microsoft.com/office/powerpoint/2010/main" val="3197781085"/>
+      </p:ext>
+    </p:extLst>
+  </p:cSld>
+  <p:clrMapOvr>
+    <a:masterClrMapping/>
+  </p:clrMapOvr>
+</p:sld>
+</file>
+
+<file path=ppt/slides/slide22.xml><?xml version="1.0" encoding="utf-8"?>
+<p:sld xmlns:a="http://schemas.openxmlformats.org/drawingml/2006/main" xmlns:r="http://schemas.openxmlformats.org/officeDocument/2006/relationships" xmlns:p="http://schemas.openxmlformats.org/presentationml/2006/main">
+  <p:cSld>
+    <p:spTree>
+      <p:nvGrpSpPr>
+        <p:cNvPr id="1" name=""/>
+        <p:cNvGrpSpPr/>
+        <p:nvPr/>
+      </p:nvGrpSpPr>
+      <p:grpSpPr>
+        <a:xfrm>
+          <a:off x="0" y="0"/>
+          <a:ext cx="0" cy="0"/>
+          <a:chOff x="0" y="0"/>
+          <a:chExt cx="0" cy="0"/>
+        </a:xfrm>
+      </p:grpSpPr>
+      <p:sp>
+        <p:nvSpPr>
+          <p:cNvPr id="2" name="Title 1">
+            <a:extLst>
+              <a:ext uri="{FF2B5EF4-FFF2-40B4-BE49-F238E27FC236}">
+                <a16:creationId xmlns:a16="http://schemas.microsoft.com/office/drawing/2014/main" id="{305B7551-0144-9417-2DCF-520D62D203FD}"/>
+              </a:ext>
+            </a:extLst>
+          </p:cNvPr>
+          <p:cNvSpPr>
+            <a:spLocks noGrp="1"/>
+          </p:cNvSpPr>
+          <p:nvPr>
+            <p:ph type="title"/>
+          </p:nvPr>
+        </p:nvSpPr>
+        <p:spPr/>
+        <p:txBody>
+          <a:bodyPr/>
+          <a:lstStyle/>
+          <a:p>
+            <a:r>
+              <a:rPr lang="en-US" dirty="0"/>
+              <a:t>App.js HLS player</a:t>
+            </a:r>
+            <a:endParaRPr lang="bn-IN" dirty="0"/>
+          </a:p>
+        </p:txBody>
+      </p:sp>
+      <p:sp>
+        <p:nvSpPr>
+          <p:cNvPr id="3" name="Content Placeholder 2">
+            <a:extLst>
+              <a:ext uri="{FF2B5EF4-FFF2-40B4-BE49-F238E27FC236}">
+                <a16:creationId xmlns:a16="http://schemas.microsoft.com/office/drawing/2014/main" id="{1B1DB176-BF63-E4F4-8663-C03D4A29C8D1}"/>
+              </a:ext>
+            </a:extLst>
+          </p:cNvPr>
+          <p:cNvSpPr>
+            <a:spLocks noGrp="1"/>
+          </p:cNvSpPr>
+          <p:nvPr>
+            <p:ph idx="1"/>
+          </p:nvPr>
+        </p:nvSpPr>
+        <p:spPr/>
+        <p:txBody>
+          <a:bodyPr>
+            <a:normAutofit/>
+          </a:bodyPr>
+          <a:lstStyle/>
+          <a:p>
+            <a:r>
+              <a:rPr lang="en-US" sz="2400" dirty="0"/>
+              <a:t>Open source video player with simple setup </a:t>
+            </a:r>
+            <a:endParaRPr lang="bn-IN" sz="2400" dirty="0"/>
+          </a:p>
+        </p:txBody>
+      </p:sp>
+      <p:pic>
+        <p:nvPicPr>
+          <p:cNvPr id="5" name="Picture 4">
+            <a:extLst>
+              <a:ext uri="{FF2B5EF4-FFF2-40B4-BE49-F238E27FC236}">
+                <a16:creationId xmlns:a16="http://schemas.microsoft.com/office/drawing/2014/main" id="{0D457538-0BB6-A9E2-6C65-95E94419ADFB}"/>
+              </a:ext>
+            </a:extLst>
+          </p:cNvPr>
+          <p:cNvPicPr>
+            <a:picLocks noChangeAspect="1"/>
+          </p:cNvPicPr>
+          <p:nvPr/>
+        </p:nvPicPr>
+        <p:blipFill>
+          <a:blip r:embed="rId2"/>
+          <a:stretch>
+            <a:fillRect/>
+          </a:stretch>
+        </p:blipFill>
+        <p:spPr>
+          <a:xfrm>
+            <a:off x="7082118" y="1066801"/>
+            <a:ext cx="5109883" cy="5791200"/>
+          </a:xfrm>
+          <a:prstGeom prst="rect">
+            <a:avLst/>
+          </a:prstGeom>
+        </p:spPr>
+      </p:pic>
+      <p:pic>
+        <p:nvPicPr>
+          <p:cNvPr id="7" name="Picture 6">
+            <a:extLst>
+              <a:ext uri="{FF2B5EF4-FFF2-40B4-BE49-F238E27FC236}">
+                <a16:creationId xmlns:a16="http://schemas.microsoft.com/office/drawing/2014/main" id="{E50257DD-89ED-C104-D1C8-5BD05011A5F2}"/>
+              </a:ext>
+            </a:extLst>
+          </p:cNvPr>
+          <p:cNvPicPr>
+            <a:picLocks noChangeAspect="1"/>
+          </p:cNvPicPr>
+          <p:nvPr/>
+        </p:nvPicPr>
+        <p:blipFill>
+          <a:blip r:embed="rId3"/>
+          <a:stretch>
+            <a:fillRect/>
+          </a:stretch>
+        </p:blipFill>
+        <p:spPr>
+          <a:xfrm>
+            <a:off x="7082118" y="895351"/>
+            <a:ext cx="1895475" cy="171450"/>
+          </a:xfrm>
+          <a:prstGeom prst="rect">
+            <a:avLst/>
+          </a:prstGeom>
+        </p:spPr>
+      </p:pic>
+    </p:spTree>
+    <p:extLst>
+      <p:ext uri="{BB962C8B-B14F-4D97-AF65-F5344CB8AC3E}">
+        <p14:creationId xmlns:p14="http://schemas.microsoft.com/office/powerpoint/2010/main" val="1269352868"/>
+      </p:ext>
+    </p:extLst>
+  </p:cSld>
+  <p:clrMapOvr>
+    <a:masterClrMapping/>
+  </p:clrMapOvr>
+</p:sld>
+</file>
+
+<file path=ppt/slides/slide23.xml><?xml version="1.0" encoding="utf-8"?>
+<p:sld xmlns:a="http://schemas.openxmlformats.org/drawingml/2006/main" xmlns:r="http://schemas.openxmlformats.org/officeDocument/2006/relationships" xmlns:p="http://schemas.openxmlformats.org/presentationml/2006/main">
+  <p:cSld>
+    <p:spTree>
+      <p:nvGrpSpPr>
+        <p:cNvPr id="1" name=""/>
+        <p:cNvGrpSpPr/>
+        <p:nvPr/>
+      </p:nvGrpSpPr>
+      <p:grpSpPr>
+        <a:xfrm>
+          <a:off x="0" y="0"/>
+          <a:ext cx="0" cy="0"/>
+          <a:chOff x="0" y="0"/>
+          <a:chExt cx="0" cy="0"/>
+        </a:xfrm>
+      </p:grpSpPr>
+      <p:sp>
+        <p:nvSpPr>
+          <p:cNvPr id="6" name="TextBox 5">
+            <a:extLst>
+              <a:ext uri="{FF2B5EF4-FFF2-40B4-BE49-F238E27FC236}">
+                <a16:creationId xmlns:a16="http://schemas.microsoft.com/office/drawing/2014/main" id="{040E0D40-9B37-7CE4-FAF1-FC71321D69FD}"/>
+              </a:ext>
+            </a:extLst>
+          </p:cNvPr>
+          <p:cNvSpPr txBox="1"/>
+          <p:nvPr/>
+        </p:nvSpPr>
+        <p:spPr>
+          <a:xfrm>
+            <a:off x="3783106" y="2761129"/>
+            <a:ext cx="5604035" cy="1323439"/>
+          </a:xfrm>
+          <a:prstGeom prst="rect">
+            <a:avLst/>
+          </a:prstGeom>
+          <a:noFill/>
+        </p:spPr>
+        <p:txBody>
+          <a:bodyPr wrap="none" rtlCol="0">
+            <a:spAutoFit/>
+          </a:bodyPr>
+          <a:lstStyle/>
+          <a:p>
+            <a:r>
+              <a:rPr lang="en-US" sz="8000" dirty="0"/>
+              <a:t>Deployment</a:t>
+            </a:r>
+            <a:endParaRPr lang="bn-IN" sz="5400" dirty="0"/>
+          </a:p>
+        </p:txBody>
+      </p:sp>
+    </p:spTree>
+    <p:extLst>
+      <p:ext uri="{BB962C8B-B14F-4D97-AF65-F5344CB8AC3E}">
+        <p14:creationId xmlns:p14="http://schemas.microsoft.com/office/powerpoint/2010/main" val="2599222149"/>
+      </p:ext>
+    </p:extLst>
+  </p:cSld>
+  <p:clrMapOvr>
+    <a:masterClrMapping/>
+  </p:clrMapOvr>
+</p:sld>
+</file>
+
+<file path=ppt/slides/slide24.xml><?xml version="1.0" encoding="utf-8"?>
+<p:sld xmlns:a="http://schemas.openxmlformats.org/drawingml/2006/main" xmlns:r="http://schemas.openxmlformats.org/officeDocument/2006/relationships" xmlns:p="http://schemas.openxmlformats.org/presentationml/2006/main">
+  <p:cSld>
+    <p:spTree>
+      <p:nvGrpSpPr>
+        <p:cNvPr id="1" name=""/>
+        <p:cNvGrpSpPr/>
+        <p:nvPr/>
+      </p:nvGrpSpPr>
+      <p:grpSpPr>
+        <a:xfrm>
+          <a:off x="0" y="0"/>
+          <a:ext cx="0" cy="0"/>
+          <a:chOff x="0" y="0"/>
+          <a:chExt cx="0" cy="0"/>
+        </a:xfrm>
+      </p:grpSpPr>
+      <p:sp>
+        <p:nvSpPr>
+          <p:cNvPr id="2" name="Title 1">
+            <a:extLst>
+              <a:ext uri="{FF2B5EF4-FFF2-40B4-BE49-F238E27FC236}">
+                <a16:creationId xmlns:a16="http://schemas.microsoft.com/office/drawing/2014/main" id="{0EC40E89-F231-CE48-F966-94873ABEA39E}"/>
+              </a:ext>
+            </a:extLst>
+          </p:cNvPr>
+          <p:cNvSpPr>
+            <a:spLocks noGrp="1"/>
+          </p:cNvSpPr>
+          <p:nvPr>
+            <p:ph type="title"/>
+          </p:nvPr>
+        </p:nvSpPr>
+        <p:spPr/>
+        <p:txBody>
+          <a:bodyPr/>
+          <a:lstStyle/>
+          <a:p>
+            <a:r>
+              <a:rPr lang="en-US" dirty="0"/>
+              <a:t>Docker</a:t>
+            </a:r>
+            <a:endParaRPr lang="bn-IN" dirty="0"/>
+          </a:p>
+        </p:txBody>
+      </p:sp>
+      <p:sp>
+        <p:nvSpPr>
+          <p:cNvPr id="3" name="Content Placeholder 2">
+            <a:extLst>
+              <a:ext uri="{FF2B5EF4-FFF2-40B4-BE49-F238E27FC236}">
+                <a16:creationId xmlns:a16="http://schemas.microsoft.com/office/drawing/2014/main" id="{88FCD863-DADF-5363-41FC-FE6B5FFABCAB}"/>
+              </a:ext>
+            </a:extLst>
+          </p:cNvPr>
+          <p:cNvSpPr>
+            <a:spLocks noGrp="1"/>
+          </p:cNvSpPr>
+          <p:nvPr>
+            <p:ph idx="1"/>
+          </p:nvPr>
+        </p:nvSpPr>
+        <p:spPr/>
+        <p:txBody>
+          <a:bodyPr/>
+          <a:lstStyle/>
+          <a:p>
+            <a:r>
+              <a:rPr lang="en-US" dirty="0"/>
+              <a:t>Docker images for easy-deployment </a:t>
+            </a:r>
+            <a:r>
+              <a:rPr lang="en-US" dirty="0">
+                <a:sym typeface="Wingdings" panose="05000000000000000000" pitchFamily="2" charset="2"/>
+              </a:rPr>
+              <a:t></a:t>
+            </a:r>
+            <a:r>
+              <a:rPr lang="en-US" dirty="0"/>
+              <a:t> </a:t>
+            </a:r>
+            <a:endParaRPr lang="bn-IN" dirty="0"/>
+          </a:p>
+        </p:txBody>
+      </p:sp>
+      <p:pic>
+        <p:nvPicPr>
+          <p:cNvPr id="5" name="Picture 4">
+            <a:extLst>
+              <a:ext uri="{FF2B5EF4-FFF2-40B4-BE49-F238E27FC236}">
+                <a16:creationId xmlns:a16="http://schemas.microsoft.com/office/drawing/2014/main" id="{E0028ACC-5A96-EBF6-997E-739709F95C51}"/>
+              </a:ext>
+            </a:extLst>
+          </p:cNvPr>
+          <p:cNvPicPr>
+            <a:picLocks noChangeAspect="1"/>
+          </p:cNvPicPr>
+          <p:nvPr/>
+        </p:nvPicPr>
+        <p:blipFill>
+          <a:blip r:embed="rId2"/>
+          <a:stretch>
+            <a:fillRect/>
+          </a:stretch>
+        </p:blipFill>
+        <p:spPr>
+          <a:xfrm>
+            <a:off x="7503459" y="1583718"/>
+            <a:ext cx="4688541" cy="5274282"/>
+          </a:xfrm>
+          <a:prstGeom prst="rect">
+            <a:avLst/>
+          </a:prstGeom>
+        </p:spPr>
+      </p:pic>
+      <p:pic>
+        <p:nvPicPr>
+          <p:cNvPr id="7" name="Picture 6">
+            <a:extLst>
+              <a:ext uri="{FF2B5EF4-FFF2-40B4-BE49-F238E27FC236}">
+                <a16:creationId xmlns:a16="http://schemas.microsoft.com/office/drawing/2014/main" id="{FEF72597-4A4B-CF36-F3AE-ACEAA7D15486}"/>
+              </a:ext>
+            </a:extLst>
+          </p:cNvPr>
+          <p:cNvPicPr>
+            <a:picLocks noChangeAspect="1"/>
+          </p:cNvPicPr>
+          <p:nvPr/>
+        </p:nvPicPr>
+        <p:blipFill>
+          <a:blip r:embed="rId3"/>
+          <a:stretch>
+            <a:fillRect/>
+          </a:stretch>
+        </p:blipFill>
+        <p:spPr>
+          <a:xfrm>
+            <a:off x="2386573" y="3056965"/>
+            <a:ext cx="5116886" cy="3801035"/>
+          </a:xfrm>
+          <a:prstGeom prst="rect">
+            <a:avLst/>
+          </a:prstGeom>
+        </p:spPr>
+      </p:pic>
+    </p:spTree>
+    <p:extLst>
+      <p:ext uri="{BB962C8B-B14F-4D97-AF65-F5344CB8AC3E}">
+        <p14:creationId xmlns:p14="http://schemas.microsoft.com/office/powerpoint/2010/main" val="1399838069"/>
+      </p:ext>
+    </p:extLst>
+  </p:cSld>
+  <p:clrMapOvr>
+    <a:masterClrMapping/>
+  </p:clrMapOvr>
+</p:sld>
+</file>
+
+<file path=ppt/slides/slide25.xml><?xml version="1.0" encoding="utf-8"?>
+<p:sld xmlns:a="http://schemas.openxmlformats.org/drawingml/2006/main" xmlns:r="http://schemas.openxmlformats.org/officeDocument/2006/relationships" xmlns:p="http://schemas.openxmlformats.org/presentationml/2006/main">
+  <p:cSld>
+    <p:spTree>
+      <p:nvGrpSpPr>
+        <p:cNvPr id="1" name="">
+          <a:extLst>
+            <a:ext uri="{FF2B5EF4-FFF2-40B4-BE49-F238E27FC236}">
+              <a16:creationId xmlns:a16="http://schemas.microsoft.com/office/drawing/2014/main" id="{3DCDD1FA-359A-2369-1C5A-26851B66743A}"/>
+            </a:ext>
+          </a:extLst>
+        </p:cNvPr>
+        <p:cNvGrpSpPr/>
+        <p:nvPr/>
+      </p:nvGrpSpPr>
+      <p:grpSpPr>
+        <a:xfrm>
+          <a:off x="0" y="0"/>
+          <a:ext cx="0" cy="0"/>
+          <a:chOff x="0" y="0"/>
+          <a:chExt cx="0" cy="0"/>
+        </a:xfrm>
+      </p:grpSpPr>
+      <p:sp>
+        <p:nvSpPr>
+          <p:cNvPr id="4" name="Textfeld 3">
+            <a:extLst>
+              <a:ext uri="{FF2B5EF4-FFF2-40B4-BE49-F238E27FC236}">
+                <a16:creationId xmlns:a16="http://schemas.microsoft.com/office/drawing/2014/main" id="{B33D312C-B8E0-6DA5-E7CC-7AC86B555AF3}"/>
+              </a:ext>
+            </a:extLst>
+          </p:cNvPr>
+          <p:cNvSpPr txBox="1"/>
+          <p:nvPr/>
+        </p:nvSpPr>
+        <p:spPr>
+          <a:xfrm>
+            <a:off x="4609090" y="2767280"/>
+            <a:ext cx="2973820" cy="1323439"/>
+          </a:xfrm>
+          <a:prstGeom prst="rect">
+            <a:avLst/>
+          </a:prstGeom>
+          <a:noFill/>
+        </p:spPr>
+        <p:txBody>
+          <a:bodyPr wrap="square">
+            <a:spAutoFit/>
+          </a:bodyPr>
+          <a:lstStyle/>
+          <a:p>
+            <a:r>
+              <a:rPr lang="en-GB" sz="8000" dirty="0"/>
+              <a:t>Demo</a:t>
+            </a:r>
+            <a:endParaRPr lang="en-DE" sz="8000" dirty="0"/>
+          </a:p>
+        </p:txBody>
+      </p:sp>
+    </p:spTree>
+    <p:extLst>
+      <p:ext uri="{BB962C8B-B14F-4D97-AF65-F5344CB8AC3E}">
+        <p14:creationId xmlns:p14="http://schemas.microsoft.com/office/powerpoint/2010/main" val="365339460"/>
+      </p:ext>
+    </p:extLst>
+  </p:cSld>
+  <p:clrMapOvr>
+    <a:masterClrMapping/>
+  </p:clrMapOvr>
+</p:sld>
+</file>
+
+<file path=ppt/slides/slide26.xml><?xml version="1.0" encoding="utf-8"?>
+<p:sld xmlns:a="http://schemas.openxmlformats.org/drawingml/2006/main" xmlns:r="http://schemas.openxmlformats.org/officeDocument/2006/relationships" xmlns:p="http://schemas.openxmlformats.org/presentationml/2006/main">
+  <p:cSld>
+    <p:spTree>
+      <p:nvGrpSpPr>
+        <p:cNvPr id="1" name=""/>
+        <p:cNvGrpSpPr/>
+        <p:nvPr/>
+      </p:nvGrpSpPr>
+      <p:grpSpPr>
+        <a:xfrm>
+          <a:off x="0" y="0"/>
+          <a:ext cx="0" cy="0"/>
+          <a:chOff x="0" y="0"/>
+          <a:chExt cx="0" cy="0"/>
+        </a:xfrm>
+      </p:grpSpPr>
+      <p:sp>
+        <p:nvSpPr>
+          <p:cNvPr id="2" name="Title 1">
+            <a:extLst>
+              <a:ext uri="{FF2B5EF4-FFF2-40B4-BE49-F238E27FC236}">
+                <a16:creationId xmlns:a16="http://schemas.microsoft.com/office/drawing/2014/main" id="{0593618A-02CD-EEA1-4FA3-7FA6F74B3856}"/>
+              </a:ext>
+            </a:extLst>
+          </p:cNvPr>
+          <p:cNvSpPr>
+            <a:spLocks noGrp="1"/>
+          </p:cNvSpPr>
+          <p:nvPr>
+            <p:ph type="title"/>
+          </p:nvPr>
+        </p:nvSpPr>
+        <p:spPr/>
+        <p:txBody>
+          <a:bodyPr/>
+          <a:lstStyle/>
+          <a:p>
+            <a:r>
+              <a:rPr lang="en-US" dirty="0"/>
+              <a:t>Image sources:</a:t>
+            </a:r>
+            <a:endParaRPr lang="bn-IN" dirty="0"/>
+          </a:p>
+        </p:txBody>
+      </p:sp>
+      <p:sp>
+        <p:nvSpPr>
+          <p:cNvPr id="3" name="Content Placeholder 2">
+            <a:extLst>
+              <a:ext uri="{FF2B5EF4-FFF2-40B4-BE49-F238E27FC236}">
+                <a16:creationId xmlns:a16="http://schemas.microsoft.com/office/drawing/2014/main" id="{AC4A1666-ED4C-DE8E-10AB-CD411713321C}"/>
+              </a:ext>
+            </a:extLst>
+          </p:cNvPr>
+          <p:cNvSpPr>
+            <a:spLocks noGrp="1"/>
+          </p:cNvSpPr>
+          <p:nvPr>
+            <p:ph idx="1"/>
+          </p:nvPr>
+        </p:nvSpPr>
+        <p:spPr/>
+        <p:txBody>
+          <a:bodyPr/>
+          <a:lstStyle/>
+          <a:p>
+            <a:r>
+              <a:rPr lang="en-US" dirty="0">
+                <a:hlinkClick r:id="rId2"/>
+              </a:rPr>
+              <a:t>http live streaming frame work diagram - Search Images</a:t>
+            </a:r>
+            <a:endParaRPr lang="en-US" dirty="0"/>
+          </a:p>
+          <a:p>
+            <a:r>
+              <a:rPr lang="en-US" dirty="0">
+                <a:hlinkClick r:id="rId3"/>
+              </a:rPr>
+              <a:t>Introduction to network streaming using </a:t>
+            </a:r>
+            <a:r>
+              <a:rPr lang="en-US" dirty="0" err="1">
+                <a:hlinkClick r:id="rId3"/>
+              </a:rPr>
+              <a:t>GStreamer</a:t>
+            </a:r>
+            <a:r>
+              <a:rPr lang="en-US" dirty="0">
+                <a:hlinkClick r:id="rId3"/>
+              </a:rPr>
+              <a:t> - </a:t>
+            </a:r>
+            <a:r>
+              <a:rPr lang="en-US" dirty="0" err="1">
+                <a:hlinkClick r:id="rId3"/>
+              </a:rPr>
+              <a:t>RidgeRun</a:t>
+            </a:r>
+            <a:r>
+              <a:rPr lang="en-US" dirty="0">
+                <a:hlinkClick r:id="rId3"/>
+              </a:rPr>
+              <a:t> Developer Wiki</a:t>
+            </a:r>
+            <a:endParaRPr lang="en-US" dirty="0"/>
+          </a:p>
+          <a:p>
+            <a:r>
+              <a:rPr lang="en-US" dirty="0">
+                <a:hlinkClick r:id="rId4"/>
+              </a:rPr>
+              <a:t>Apple HTTP Live Streaming (Apple HLS)</a:t>
+            </a:r>
+            <a:endParaRPr lang="en-US" dirty="0"/>
+          </a:p>
+          <a:p>
+            <a:r>
+              <a:rPr lang="en-US" dirty="0" err="1">
+                <a:hlinkClick r:id="rId5"/>
+              </a:rPr>
+              <a:t>GStreamer</a:t>
+            </a:r>
+            <a:r>
+              <a:rPr lang="en-US" dirty="0">
+                <a:hlinkClick r:id="rId5"/>
+              </a:rPr>
+              <a:t> C++ - Stream Webcam over TCP Tutorial - DEV Community</a:t>
+            </a:r>
+            <a:br>
+              <a:rPr lang="en-US" dirty="0"/>
+            </a:br>
+            <a:endParaRPr lang="bn-IN" dirty="0"/>
+          </a:p>
+        </p:txBody>
+      </p:sp>
+    </p:spTree>
+    <p:extLst>
+      <p:ext uri="{BB962C8B-B14F-4D97-AF65-F5344CB8AC3E}">
+        <p14:creationId xmlns:p14="http://schemas.microsoft.com/office/powerpoint/2010/main" val="1506144494"/>
       </p:ext>
     </p:extLst>
   </p:cSld>
@@ -4622,10 +5992,10 @@
       </p:grpSpPr>
       <p:sp>
         <p:nvSpPr>
-          <p:cNvPr id="4" name="Textfeld 3">
-            <a:extLst>
-              <a:ext uri="{FF2B5EF4-FFF2-40B4-BE49-F238E27FC236}">
-                <a16:creationId xmlns:a16="http://schemas.microsoft.com/office/drawing/2014/main" id="{09953E74-8DA9-D362-DC97-A7CD7FFAB777}"/>
+          <p:cNvPr id="3" name="Textfeld 2">
+            <a:extLst>
+              <a:ext uri="{FF2B5EF4-FFF2-40B4-BE49-F238E27FC236}">
+                <a16:creationId xmlns:a16="http://schemas.microsoft.com/office/drawing/2014/main" id="{3BC61DC7-02C6-0354-8D17-726246B96890}"/>
               </a:ext>
             </a:extLst>
           </p:cNvPr>
@@ -4634,8 +6004,8 @@
         </p:nvSpPr>
         <p:spPr>
           <a:xfrm>
-            <a:off x="2681145" y="2481530"/>
-            <a:ext cx="6829709" cy="1323439"/>
+            <a:off x="304800" y="379968"/>
+            <a:ext cx="6096000" cy="646331"/>
           </a:xfrm>
           <a:prstGeom prst="rect">
             <a:avLst/>
@@ -4649,17 +6019,92 @@
           <a:lstStyle/>
           <a:p>
             <a:r>
-              <a:rPr lang="en-GB" sz="8000" dirty="0"/>
-              <a:t>Authentication</a:t>
-            </a:r>
-            <a:endParaRPr lang="en-DE" sz="8000" dirty="0"/>
-          </a:p>
-        </p:txBody>
-      </p:sp>
+              <a:rPr lang="en-GB" sz="3600" dirty="0"/>
+              <a:t>Goals</a:t>
+            </a:r>
+            <a:endParaRPr lang="en-DE" sz="3600" dirty="0"/>
+          </a:p>
+        </p:txBody>
+      </p:sp>
+      <p:sp>
+        <p:nvSpPr>
+          <p:cNvPr id="9" name="Textfeld 8">
+            <a:extLst>
+              <a:ext uri="{FF2B5EF4-FFF2-40B4-BE49-F238E27FC236}">
+                <a16:creationId xmlns:a16="http://schemas.microsoft.com/office/drawing/2014/main" id="{1E5CABC1-BE2A-85A5-EA35-C81402B41472}"/>
+              </a:ext>
+            </a:extLst>
+          </p:cNvPr>
+          <p:cNvSpPr txBox="1"/>
+          <p:nvPr/>
+        </p:nvSpPr>
+        <p:spPr>
+          <a:xfrm>
+            <a:off x="304800" y="2828835"/>
+            <a:ext cx="6096000" cy="1200329"/>
+          </a:xfrm>
+          <a:prstGeom prst="rect">
+            <a:avLst/>
+          </a:prstGeom>
+          <a:noFill/>
+        </p:spPr>
+        <p:txBody>
+          <a:bodyPr wrap="square">
+            <a:spAutoFit/>
+          </a:bodyPr>
+          <a:lstStyle/>
+          <a:p>
+            <a:r>
+              <a:rPr lang="en-GB" sz="2400" dirty="0"/>
+              <a:t>- Require user to authenticate</a:t>
+            </a:r>
+          </a:p>
+          <a:p>
+            <a:endParaRPr lang="en-GB" sz="2400" dirty="0"/>
+          </a:p>
+          <a:p>
+            <a:r>
+              <a:rPr lang="en-GB" sz="2400" dirty="0"/>
+              <a:t>- Show different streams based on user</a:t>
+            </a:r>
+            <a:endParaRPr lang="en-DE" sz="2400" dirty="0"/>
+          </a:p>
+        </p:txBody>
+      </p:sp>
+      <p:pic>
+        <p:nvPicPr>
+          <p:cNvPr id="6" name="Picture 5">
+            <a:extLst>
+              <a:ext uri="{FF2B5EF4-FFF2-40B4-BE49-F238E27FC236}">
+                <a16:creationId xmlns:a16="http://schemas.microsoft.com/office/drawing/2014/main" id="{6F798F9C-5541-4599-1AF3-45B5C619F4E7}"/>
+              </a:ext>
+            </a:extLst>
+          </p:cNvPr>
+          <p:cNvPicPr>
+            <a:picLocks noChangeAspect="1"/>
+          </p:cNvPicPr>
+          <p:nvPr/>
+        </p:nvPicPr>
+        <p:blipFill>
+          <a:blip r:embed="rId2"/>
+          <a:stretch>
+            <a:fillRect/>
+          </a:stretch>
+        </p:blipFill>
+        <p:spPr>
+          <a:xfrm>
+            <a:off x="6194611" y="1622612"/>
+            <a:ext cx="5625073" cy="4996231"/>
+          </a:xfrm>
+          <a:prstGeom prst="rect">
+            <a:avLst/>
+          </a:prstGeom>
+        </p:spPr>
+      </p:pic>
     </p:spTree>
     <p:extLst>
       <p:ext uri="{BB962C8B-B14F-4D97-AF65-F5344CB8AC3E}">
-        <p14:creationId xmlns:p14="http://schemas.microsoft.com/office/powerpoint/2010/main" val="4243687994"/>
+        <p14:creationId xmlns:p14="http://schemas.microsoft.com/office/powerpoint/2010/main" val="161471724"/>
       </p:ext>
     </p:extLst>
   </p:cSld>
@@ -4688,10 +6133,10 @@
       </p:grpSpPr>
       <p:sp>
         <p:nvSpPr>
-          <p:cNvPr id="3" name="Textfeld 2">
-            <a:extLst>
-              <a:ext uri="{FF2B5EF4-FFF2-40B4-BE49-F238E27FC236}">
-                <a16:creationId xmlns:a16="http://schemas.microsoft.com/office/drawing/2014/main" id="{3BC61DC7-02C6-0354-8D17-726246B96890}"/>
+          <p:cNvPr id="2" name="TextBox 1">
+            <a:extLst>
+              <a:ext uri="{FF2B5EF4-FFF2-40B4-BE49-F238E27FC236}">
+                <a16:creationId xmlns:a16="http://schemas.microsoft.com/office/drawing/2014/main" id="{4E6A726D-303D-4C03-8387-62DCD0521051}"/>
               </a:ext>
             </a:extLst>
           </p:cNvPr>
@@ -4700,8 +6145,8 @@
         </p:nvSpPr>
         <p:spPr>
           <a:xfrm>
-            <a:off x="304800" y="379968"/>
-            <a:ext cx="6096000" cy="646331"/>
+            <a:off x="4150658" y="2940424"/>
+            <a:ext cx="6078071" cy="646331"/>
           </a:xfrm>
           <a:prstGeom prst="rect">
             <a:avLst/>
@@ -4709,25 +6154,131 @@
           <a:noFill/>
         </p:spPr>
         <p:txBody>
-          <a:bodyPr wrap="square">
+          <a:bodyPr wrap="square" rtlCol="0">
             <a:spAutoFit/>
           </a:bodyPr>
           <a:lstStyle/>
           <a:p>
             <a:r>
-              <a:rPr lang="en-GB" sz="3600" dirty="0"/>
+              <a:rPr lang="de-DE" sz="3600" dirty="0"/>
+              <a:t>Media Processing </a:t>
+            </a:r>
+            <a:endParaRPr lang="bn-IN" sz="3600" dirty="0"/>
+          </a:p>
+        </p:txBody>
+      </p:sp>
+    </p:spTree>
+    <p:extLst>
+      <p:ext uri="{BB962C8B-B14F-4D97-AF65-F5344CB8AC3E}">
+        <p14:creationId xmlns:p14="http://schemas.microsoft.com/office/powerpoint/2010/main" val="2276551001"/>
+      </p:ext>
+    </p:extLst>
+  </p:cSld>
+  <p:clrMapOvr>
+    <a:masterClrMapping/>
+  </p:clrMapOvr>
+</p:sld>
+</file>
+
+<file path=ppt/slides/slide5.xml><?xml version="1.0" encoding="utf-8"?>
+<p:sld xmlns:a="http://schemas.openxmlformats.org/drawingml/2006/main" xmlns:r="http://schemas.openxmlformats.org/officeDocument/2006/relationships" xmlns:p="http://schemas.openxmlformats.org/presentationml/2006/main">
+  <p:cSld>
+    <p:spTree>
+      <p:nvGrpSpPr>
+        <p:cNvPr id="1" name=""/>
+        <p:cNvGrpSpPr/>
+        <p:nvPr/>
+      </p:nvGrpSpPr>
+      <p:grpSpPr>
+        <a:xfrm>
+          <a:off x="0" y="0"/>
+          <a:ext cx="0" cy="0"/>
+          <a:chOff x="0" y="0"/>
+          <a:chExt cx="0" cy="0"/>
+        </a:xfrm>
+      </p:grpSpPr>
+      <p:sp>
+        <p:nvSpPr>
+          <p:cNvPr id="2" name="Title 1">
+            <a:extLst>
+              <a:ext uri="{FF2B5EF4-FFF2-40B4-BE49-F238E27FC236}">
+                <a16:creationId xmlns:a16="http://schemas.microsoft.com/office/drawing/2014/main" id="{1FA5D934-CF49-D9CD-72CC-D510B13D9268}"/>
+              </a:ext>
+            </a:extLst>
+          </p:cNvPr>
+          <p:cNvSpPr>
+            <a:spLocks noGrp="1"/>
+          </p:cNvSpPr>
+          <p:nvPr>
+            <p:ph type="title"/>
+          </p:nvPr>
+        </p:nvSpPr>
+        <p:spPr/>
+        <p:txBody>
+          <a:bodyPr/>
+          <a:lstStyle/>
+          <a:p>
+            <a:r>
+              <a:rPr lang="de-DE" dirty="0"/>
               <a:t>Goals</a:t>
             </a:r>
-            <a:endParaRPr lang="en-DE" sz="3600" dirty="0"/>
+            <a:endParaRPr lang="bn-IN" dirty="0"/>
+          </a:p>
+        </p:txBody>
+      </p:sp>
+      <p:sp>
+        <p:nvSpPr>
+          <p:cNvPr id="3" name="Content Placeholder 2">
+            <a:extLst>
+              <a:ext uri="{FF2B5EF4-FFF2-40B4-BE49-F238E27FC236}">
+                <a16:creationId xmlns:a16="http://schemas.microsoft.com/office/drawing/2014/main" id="{0A5CFF6A-253B-00E5-CF4E-534B210D6D18}"/>
+              </a:ext>
+            </a:extLst>
+          </p:cNvPr>
+          <p:cNvSpPr>
+            <a:spLocks noGrp="1"/>
+          </p:cNvSpPr>
+          <p:nvPr>
+            <p:ph idx="1"/>
+          </p:nvPr>
+        </p:nvSpPr>
+        <p:spPr/>
+        <p:txBody>
+          <a:bodyPr/>
+          <a:lstStyle/>
+          <a:p>
+            <a:r>
+              <a:rPr lang="de-DE" dirty="0"/>
+              <a:t>Stream media over http</a:t>
+            </a:r>
+          </a:p>
+          <a:p>
+            <a:r>
+              <a:rPr lang="de-DE" dirty="0"/>
+              <a:t>Record the stream</a:t>
+            </a:r>
+          </a:p>
+          <a:p>
+            <a:r>
+              <a:rPr lang="de-DE" dirty="0"/>
+              <a:t>Store camera details</a:t>
+            </a:r>
+          </a:p>
+          <a:p>
+            <a:r>
+              <a:rPr lang="de-DE" dirty="0"/>
+              <a:t>User-friendly UI for end-user</a:t>
+            </a:r>
+            <a:endParaRPr lang="bn-IN" dirty="0"/>
           </a:p>
         </p:txBody>
       </p:sp>
       <p:pic>
         <p:nvPicPr>
-          <p:cNvPr id="7" name="Grafik 6">
-            <a:extLst>
-              <a:ext uri="{FF2B5EF4-FFF2-40B4-BE49-F238E27FC236}">
-                <a16:creationId xmlns:a16="http://schemas.microsoft.com/office/drawing/2014/main" id="{B01680A3-DC49-AAEC-395F-64E076299725}"/>
+          <p:cNvPr id="4" name="Picture 3">
+            <a:extLst>
+              <a:ext uri="{FF2B5EF4-FFF2-40B4-BE49-F238E27FC236}">
+                <a16:creationId xmlns:a16="http://schemas.microsoft.com/office/drawing/2014/main" id="{88E04109-B070-4C82-1FA8-CD41152FDD62}"/>
               </a:ext>
             </a:extLst>
           </p:cNvPr>
@@ -4744,73 +6295,18 @@
         </p:blipFill>
         <p:spPr>
           <a:xfrm>
-            <a:off x="6400800" y="464602"/>
-            <a:ext cx="5080000" cy="6208196"/>
+            <a:off x="5916704" y="1467089"/>
+            <a:ext cx="6418731" cy="3923821"/>
           </a:xfrm>
           <a:prstGeom prst="rect">
             <a:avLst/>
           </a:prstGeom>
-          <a:ln>
-            <a:noFill/>
-          </a:ln>
-          <a:effectLst>
-            <a:outerShdw blurRad="292100" dist="139700" dir="2700000" algn="tl" rotWithShape="0">
-              <a:srgbClr val="333333">
-                <a:alpha val="65000"/>
-              </a:srgbClr>
-            </a:outerShdw>
-          </a:effectLst>
         </p:spPr>
       </p:pic>
-      <p:sp>
-        <p:nvSpPr>
-          <p:cNvPr id="9" name="Textfeld 8">
-            <a:extLst>
-              <a:ext uri="{FF2B5EF4-FFF2-40B4-BE49-F238E27FC236}">
-                <a16:creationId xmlns:a16="http://schemas.microsoft.com/office/drawing/2014/main" id="{1E5CABC1-BE2A-85A5-EA35-C81402B41472}"/>
-              </a:ext>
-            </a:extLst>
-          </p:cNvPr>
-          <p:cNvSpPr txBox="1"/>
-          <p:nvPr/>
-        </p:nvSpPr>
-        <p:spPr>
-          <a:xfrm>
-            <a:off x="304800" y="2828835"/>
-            <a:ext cx="6096000" cy="1200329"/>
-          </a:xfrm>
-          <a:prstGeom prst="rect">
-            <a:avLst/>
-          </a:prstGeom>
-          <a:noFill/>
-        </p:spPr>
-        <p:txBody>
-          <a:bodyPr wrap="square">
-            <a:spAutoFit/>
-          </a:bodyPr>
-          <a:lstStyle/>
-          <a:p>
-            <a:r>
-              <a:rPr lang="en-GB" sz="2400" dirty="0"/>
-              <a:t>- Require user to authenticate</a:t>
-            </a:r>
-          </a:p>
-          <a:p>
-            <a:endParaRPr lang="en-GB" sz="2400" dirty="0"/>
-          </a:p>
-          <a:p>
-            <a:r>
-              <a:rPr lang="en-GB" sz="2400" dirty="0"/>
-              <a:t>- Show different streams based on user</a:t>
-            </a:r>
-            <a:endParaRPr lang="en-DE" sz="2400" dirty="0"/>
-          </a:p>
-        </p:txBody>
-      </p:sp>
     </p:spTree>
     <p:extLst>
       <p:ext uri="{BB962C8B-B14F-4D97-AF65-F5344CB8AC3E}">
-        <p14:creationId xmlns:p14="http://schemas.microsoft.com/office/powerpoint/2010/main" val="161471724"/>
+        <p14:creationId xmlns:p14="http://schemas.microsoft.com/office/powerpoint/2010/main" val="2217238307"/>
       </p:ext>
     </p:extLst>
   </p:cSld>
@@ -4820,7 +6316,7 @@
 </p:sld>
 </file>
 
-<file path=ppt/slides/slide5.xml><?xml version="1.0" encoding="utf-8"?>
+<file path=ppt/slides/slide6.xml><?xml version="1.0" encoding="utf-8"?>
 <p:sld xmlns:a="http://schemas.openxmlformats.org/drawingml/2006/main" xmlns:r="http://schemas.openxmlformats.org/officeDocument/2006/relationships" xmlns:p="http://schemas.openxmlformats.org/presentationml/2006/main">
   <p:cSld>
     <p:spTree>
@@ -4883,164 +6379,6 @@
     <p:extLst>
       <p:ext uri="{BB962C8B-B14F-4D97-AF65-F5344CB8AC3E}">
         <p14:creationId xmlns:p14="http://schemas.microsoft.com/office/powerpoint/2010/main" val="3450301098"/>
-      </p:ext>
-    </p:extLst>
-  </p:cSld>
-  <p:clrMapOvr>
-    <a:masterClrMapping/>
-  </p:clrMapOvr>
-</p:sld>
-</file>
-
-<file path=ppt/slides/slide6.xml><?xml version="1.0" encoding="utf-8"?>
-<p:sld xmlns:a="http://schemas.openxmlformats.org/drawingml/2006/main" xmlns:r="http://schemas.openxmlformats.org/officeDocument/2006/relationships" xmlns:p="http://schemas.openxmlformats.org/presentationml/2006/main">
-  <p:cSld>
-    <p:spTree>
-      <p:nvGrpSpPr>
-        <p:cNvPr id="1" name=""/>
-        <p:cNvGrpSpPr/>
-        <p:nvPr/>
-      </p:nvGrpSpPr>
-      <p:grpSpPr>
-        <a:xfrm>
-          <a:off x="0" y="0"/>
-          <a:ext cx="0" cy="0"/>
-          <a:chOff x="0" y="0"/>
-          <a:chExt cx="0" cy="0"/>
-        </a:xfrm>
-      </p:grpSpPr>
-      <p:sp>
-        <p:nvSpPr>
-          <p:cNvPr id="3" name="Textfeld 2">
-            <a:extLst>
-              <a:ext uri="{FF2B5EF4-FFF2-40B4-BE49-F238E27FC236}">
-                <a16:creationId xmlns:a16="http://schemas.microsoft.com/office/drawing/2014/main" id="{6946DC40-7FDD-2DC3-DA00-91388C71F845}"/>
-              </a:ext>
-            </a:extLst>
-          </p:cNvPr>
-          <p:cNvSpPr txBox="1"/>
-          <p:nvPr/>
-        </p:nvSpPr>
-        <p:spPr>
-          <a:xfrm>
-            <a:off x="304800" y="379968"/>
-            <a:ext cx="6096000" cy="707886"/>
-          </a:xfrm>
-          <a:prstGeom prst="rect">
-            <a:avLst/>
-          </a:prstGeom>
-          <a:noFill/>
-        </p:spPr>
-        <p:txBody>
-          <a:bodyPr wrap="square">
-            <a:spAutoFit/>
-          </a:bodyPr>
-          <a:lstStyle/>
-          <a:p>
-            <a:r>
-              <a:rPr lang="en-GB" sz="4000" dirty="0"/>
-              <a:t>Authentication</a:t>
-            </a:r>
-          </a:p>
-        </p:txBody>
-      </p:sp>
-      <p:sp>
-        <p:nvSpPr>
-          <p:cNvPr id="4" name="Textfeld 3">
-            <a:extLst>
-              <a:ext uri="{FF2B5EF4-FFF2-40B4-BE49-F238E27FC236}">
-                <a16:creationId xmlns:a16="http://schemas.microsoft.com/office/drawing/2014/main" id="{EC040181-D291-F0CC-E07F-DD097BA33C7C}"/>
-              </a:ext>
-            </a:extLst>
-          </p:cNvPr>
-          <p:cNvSpPr txBox="1"/>
-          <p:nvPr/>
-        </p:nvSpPr>
-        <p:spPr>
-          <a:xfrm>
-            <a:off x="400050" y="2706042"/>
-            <a:ext cx="5187950" cy="1815882"/>
-          </a:xfrm>
-          <a:prstGeom prst="rect">
-            <a:avLst/>
-          </a:prstGeom>
-          <a:noFill/>
-        </p:spPr>
-        <p:txBody>
-          <a:bodyPr wrap="square" rtlCol="0">
-            <a:spAutoFit/>
-          </a:bodyPr>
-          <a:lstStyle/>
-          <a:p>
-            <a:pPr marL="285750" indent="-285750">
-              <a:buFontTx/>
-              <a:buChar char="-"/>
-            </a:pPr>
-            <a:r>
-              <a:rPr lang="en-GB" sz="2800" dirty="0"/>
-              <a:t>At first: Session based</a:t>
-            </a:r>
-          </a:p>
-          <a:p>
-            <a:pPr marL="285750" indent="-285750">
-              <a:buFontTx/>
-              <a:buChar char="-"/>
-            </a:pPr>
-            <a:endParaRPr lang="en-GB" sz="2800" dirty="0"/>
-          </a:p>
-          <a:p>
-            <a:pPr marL="285750" indent="-285750">
-              <a:buFontTx/>
-              <a:buChar char="-"/>
-            </a:pPr>
-            <a:r>
-              <a:rPr lang="en-GB" sz="2800" dirty="0"/>
-              <a:t>Too complicated with frontend </a:t>
-            </a:r>
-            <a:r>
-              <a:rPr lang="en-GB" sz="2800" dirty="0">
-                <a:sym typeface="Wingdings" panose="05000000000000000000" pitchFamily="2" charset="2"/>
-              </a:rPr>
-              <a:t> JWT</a:t>
-            </a:r>
-            <a:endParaRPr lang="en-DE" sz="2800" dirty="0"/>
-          </a:p>
-        </p:txBody>
-      </p:sp>
-      <p:pic>
-        <p:nvPicPr>
-          <p:cNvPr id="7" name="Grafik 6">
-            <a:extLst>
-              <a:ext uri="{FF2B5EF4-FFF2-40B4-BE49-F238E27FC236}">
-                <a16:creationId xmlns:a16="http://schemas.microsoft.com/office/drawing/2014/main" id="{C4DF299A-C93C-6643-A867-1B695335250E}"/>
-              </a:ext>
-            </a:extLst>
-          </p:cNvPr>
-          <p:cNvPicPr>
-            <a:picLocks noChangeAspect="1"/>
-          </p:cNvPicPr>
-          <p:nvPr/>
-        </p:nvPicPr>
-        <p:blipFill>
-          <a:blip r:embed="rId2"/>
-          <a:stretch>
-            <a:fillRect/>
-          </a:stretch>
-        </p:blipFill>
-        <p:spPr>
-          <a:xfrm>
-            <a:off x="6831013" y="950357"/>
-            <a:ext cx="5131102" cy="3819525"/>
-          </a:xfrm>
-          <a:prstGeom prst="rect">
-            <a:avLst/>
-          </a:prstGeom>
-        </p:spPr>
-      </p:pic>
-    </p:spTree>
-    <p:extLst>
-      <p:ext uri="{BB962C8B-B14F-4D97-AF65-F5344CB8AC3E}">
-        <p14:creationId xmlns:p14="http://schemas.microsoft.com/office/powerpoint/2010/main" val="3746911742"/>
       </p:ext>
     </p:extLst>
   </p:cSld>
@@ -5072,7 +6410,7 @@
           <p:cNvPr id="3" name="Textfeld 2">
             <a:extLst>
               <a:ext uri="{FF2B5EF4-FFF2-40B4-BE49-F238E27FC236}">
-                <a16:creationId xmlns:a16="http://schemas.microsoft.com/office/drawing/2014/main" id="{16A12AAF-4D00-8CAD-A34E-48EF313CE8B3}"/>
+                <a16:creationId xmlns:a16="http://schemas.microsoft.com/office/drawing/2014/main" id="{6946DC40-7FDD-2DC3-DA00-91388C71F845}"/>
               </a:ext>
             </a:extLst>
           </p:cNvPr>
@@ -5096,66 +6434,81 @@
           <a:lstStyle/>
           <a:p>
             <a:r>
-              <a:rPr lang="en-GB" sz="4000" dirty="0" err="1"/>
-              <a:t>JsonWebToken</a:t>
-            </a:r>
-            <a:endParaRPr lang="en-GB" sz="4000" dirty="0"/>
-          </a:p>
-        </p:txBody>
-      </p:sp>
-      <p:pic>
-        <p:nvPicPr>
-          <p:cNvPr id="2050" name="Picture 2" descr="JWT tokens and security - working principles and use cases">
-            <a:extLst>
-              <a:ext uri="{FF2B5EF4-FFF2-40B4-BE49-F238E27FC236}">
-                <a16:creationId xmlns:a16="http://schemas.microsoft.com/office/drawing/2014/main" id="{F7E90A1E-F66C-7194-E081-A8AE05711703}"/>
-              </a:ext>
-            </a:extLst>
-          </p:cNvPr>
-          <p:cNvPicPr>
-            <a:picLocks noChangeAspect="1" noChangeArrowheads="1"/>
-          </p:cNvPicPr>
+              <a:rPr lang="en-GB" sz="4000" dirty="0"/>
+              <a:t>Authentication</a:t>
+            </a:r>
+          </a:p>
+        </p:txBody>
+      </p:sp>
+      <p:sp>
+        <p:nvSpPr>
+          <p:cNvPr id="4" name="Textfeld 3">
+            <a:extLst>
+              <a:ext uri="{FF2B5EF4-FFF2-40B4-BE49-F238E27FC236}">
+                <a16:creationId xmlns:a16="http://schemas.microsoft.com/office/drawing/2014/main" id="{EC040181-D291-F0CC-E07F-DD097BA33C7C}"/>
+              </a:ext>
+            </a:extLst>
+          </p:cNvPr>
+          <p:cNvSpPr txBox="1"/>
           <p:nvPr/>
-        </p:nvPicPr>
-        <p:blipFill>
-          <a:blip r:embed="rId2">
-            <a:extLst>
-              <a:ext uri="{28A0092B-C50C-407E-A947-70E740481C1C}">
-                <a14:useLocalDpi xmlns:a14="http://schemas.microsoft.com/office/drawing/2010/main" val="0"/>
-              </a:ext>
-            </a:extLst>
-          </a:blip>
-          <a:srcRect/>
-          <a:stretch>
-            <a:fillRect/>
-          </a:stretch>
-        </p:blipFill>
-        <p:spPr bwMode="auto">
-          <a:xfrm>
-            <a:off x="0" y="1984667"/>
-            <a:ext cx="5819197" cy="2888666"/>
+        </p:nvSpPr>
+        <p:spPr>
+          <a:xfrm>
+            <a:off x="400050" y="2706042"/>
+            <a:ext cx="5187950" cy="1815882"/>
           </a:xfrm>
           <a:prstGeom prst="rect">
             <a:avLst/>
           </a:prstGeom>
           <a:noFill/>
-          <a:extLst>
-            <a:ext uri="{909E8E84-426E-40DD-AFC4-6F175D3DCCD1}">
-              <a14:hiddenFill xmlns:a14="http://schemas.microsoft.com/office/drawing/2010/main">
-                <a:solidFill>
-                  <a:srgbClr val="FFFFFF"/>
-                </a:solidFill>
-              </a14:hiddenFill>
-            </a:ext>
-          </a:extLst>
-        </p:spPr>
-      </p:pic>
+        </p:spPr>
+        <p:txBody>
+          <a:bodyPr wrap="square" rtlCol="0">
+            <a:spAutoFit/>
+          </a:bodyPr>
+          <a:lstStyle/>
+          <a:p>
+            <a:pPr marL="285750" indent="-285750">
+              <a:buFontTx/>
+              <a:buChar char="-"/>
+            </a:pPr>
+            <a:r>
+              <a:rPr lang="en-GB" sz="2800" dirty="0"/>
+              <a:t>At first: Session based</a:t>
+            </a:r>
+          </a:p>
+          <a:p>
+            <a:pPr marL="285750" indent="-285750">
+              <a:buFontTx/>
+              <a:buChar char="-"/>
+            </a:pPr>
+            <a:endParaRPr lang="en-GB" sz="2800" dirty="0"/>
+          </a:p>
+          <a:p>
+            <a:pPr marL="285750" indent="-285750">
+              <a:buFontTx/>
+              <a:buChar char="-"/>
+            </a:pPr>
+            <a:r>
+              <a:rPr lang="en-GB" sz="2800" dirty="0"/>
+              <a:t>Too complicated with frontend </a:t>
+            </a:r>
+            <a:r>
+              <a:rPr lang="en-GB" sz="2800" dirty="0">
+                <a:sym typeface="Wingdings" panose="05000000000000000000" pitchFamily="2" charset="2"/>
+              </a:rPr>
+              <a:t> JWT</a:t>
+            </a:r>
+            <a:endParaRPr lang="en-DE" sz="2800" dirty="0"/>
+          </a:p>
+        </p:txBody>
+      </p:sp>
       <p:pic>
         <p:nvPicPr>
-          <p:cNvPr id="8" name="Grafik 7">
-            <a:extLst>
-              <a:ext uri="{FF2B5EF4-FFF2-40B4-BE49-F238E27FC236}">
-                <a16:creationId xmlns:a16="http://schemas.microsoft.com/office/drawing/2014/main" id="{48536310-EBFA-98E0-FAFD-04DDD1878D1D}"/>
+          <p:cNvPr id="7" name="Grafik 6">
+            <a:extLst>
+              <a:ext uri="{FF2B5EF4-FFF2-40B4-BE49-F238E27FC236}">
+                <a16:creationId xmlns:a16="http://schemas.microsoft.com/office/drawing/2014/main" id="{C4DF299A-C93C-6643-A867-1B695335250E}"/>
               </a:ext>
             </a:extLst>
           </p:cNvPr>
@@ -5165,15 +6518,15 @@
           <p:nvPr/>
         </p:nvPicPr>
         <p:blipFill>
-          <a:blip r:embed="rId3"/>
+          <a:blip r:embed="rId2"/>
           <a:stretch>
             <a:fillRect/>
           </a:stretch>
         </p:blipFill>
         <p:spPr>
           <a:xfrm>
-            <a:off x="6096000" y="1387935"/>
-            <a:ext cx="6007881" cy="4082130"/>
+            <a:off x="6831013" y="950357"/>
+            <a:ext cx="5131102" cy="3819525"/>
           </a:xfrm>
           <a:prstGeom prst="rect">
             <a:avLst/>
@@ -5183,7 +6536,7 @@
     </p:spTree>
     <p:extLst>
       <p:ext uri="{BB962C8B-B14F-4D97-AF65-F5344CB8AC3E}">
-        <p14:creationId xmlns:p14="http://schemas.microsoft.com/office/powerpoint/2010/main" val="2082564746"/>
+        <p14:creationId xmlns:p14="http://schemas.microsoft.com/office/powerpoint/2010/main" val="3746911742"/>
       </p:ext>
     </p:extLst>
   </p:cSld>
@@ -5212,10 +6565,10 @@
       </p:grpSpPr>
       <p:sp>
         <p:nvSpPr>
-          <p:cNvPr id="4" name="Textfeld 3">
-            <a:extLst>
-              <a:ext uri="{FF2B5EF4-FFF2-40B4-BE49-F238E27FC236}">
-                <a16:creationId xmlns:a16="http://schemas.microsoft.com/office/drawing/2014/main" id="{F0EC8B77-A95F-2DAA-A38A-292E2C763F1E}"/>
+          <p:cNvPr id="3" name="Textfeld 2">
+            <a:extLst>
+              <a:ext uri="{FF2B5EF4-FFF2-40B4-BE49-F238E27FC236}">
+                <a16:creationId xmlns:a16="http://schemas.microsoft.com/office/drawing/2014/main" id="{16A12AAF-4D00-8CAD-A34E-48EF313CE8B3}"/>
               </a:ext>
             </a:extLst>
           </p:cNvPr>
@@ -5224,7 +6577,7 @@
         </p:nvSpPr>
         <p:spPr>
           <a:xfrm>
-            <a:off x="304800" y="240404"/>
+            <a:off x="304800" y="379968"/>
             <a:ext cx="6096000" cy="707886"/>
           </a:xfrm>
           <a:prstGeom prst="rect">
@@ -5239,40 +6592,58 @@
           <a:lstStyle/>
           <a:p>
             <a:r>
-              <a:rPr lang="en-GB" sz="4000" dirty="0"/>
-              <a:t>API</a:t>
-            </a:r>
+              <a:rPr lang="en-GB" sz="4000" dirty="0" err="1"/>
+              <a:t>JsonWebToken</a:t>
+            </a:r>
+            <a:endParaRPr lang="en-GB" sz="4000" dirty="0"/>
           </a:p>
         </p:txBody>
       </p:sp>
       <p:pic>
         <p:nvPicPr>
-          <p:cNvPr id="6" name="Grafik 5">
-            <a:extLst>
-              <a:ext uri="{FF2B5EF4-FFF2-40B4-BE49-F238E27FC236}">
-                <a16:creationId xmlns:a16="http://schemas.microsoft.com/office/drawing/2014/main" id="{1F5841AA-B8BA-765A-DB9C-DD9ED858ABEF}"/>
+          <p:cNvPr id="2050" name="Picture 2" descr="JWT tokens and security - working principles and use cases">
+            <a:extLst>
+              <a:ext uri="{FF2B5EF4-FFF2-40B4-BE49-F238E27FC236}">
+                <a16:creationId xmlns:a16="http://schemas.microsoft.com/office/drawing/2014/main" id="{F7E90A1E-F66C-7194-E081-A8AE05711703}"/>
               </a:ext>
             </a:extLst>
           </p:cNvPr>
           <p:cNvPicPr>
-            <a:picLocks noChangeAspect="1"/>
+            <a:picLocks noChangeAspect="1" noChangeArrowheads="1"/>
           </p:cNvPicPr>
           <p:nvPr/>
         </p:nvPicPr>
         <p:blipFill>
-          <a:blip r:embed="rId2"/>
+          <a:blip r:embed="rId2">
+            <a:extLst>
+              <a:ext uri="{28A0092B-C50C-407E-A947-70E740481C1C}">
+                <a14:useLocalDpi xmlns:a14="http://schemas.microsoft.com/office/drawing/2010/main" val="0"/>
+              </a:ext>
+            </a:extLst>
+          </a:blip>
+          <a:srcRect/>
           <a:stretch>
             <a:fillRect/>
           </a:stretch>
         </p:blipFill>
-        <p:spPr>
-          <a:xfrm>
-            <a:off x="304800" y="1063453"/>
-            <a:ext cx="3940593" cy="439323"/>
+        <p:spPr bwMode="auto">
+          <a:xfrm>
+            <a:off x="0" y="1984667"/>
+            <a:ext cx="5819197" cy="2888666"/>
           </a:xfrm>
           <a:prstGeom prst="rect">
             <a:avLst/>
           </a:prstGeom>
+          <a:noFill/>
+          <a:extLst>
+            <a:ext uri="{909E8E84-426E-40DD-AFC4-6F175D3DCCD1}">
+              <a14:hiddenFill xmlns:a14="http://schemas.microsoft.com/office/drawing/2010/main">
+                <a:solidFill>
+                  <a:srgbClr val="FFFFFF"/>
+                </a:solidFill>
+              </a14:hiddenFill>
+            </a:ext>
+          </a:extLst>
         </p:spPr>
       </p:pic>
       <p:pic>
@@ -5280,7 +6651,7 @@
           <p:cNvPr id="8" name="Grafik 7">
             <a:extLst>
               <a:ext uri="{FF2B5EF4-FFF2-40B4-BE49-F238E27FC236}">
-                <a16:creationId xmlns:a16="http://schemas.microsoft.com/office/drawing/2014/main" id="{36D946BA-F7A3-114C-695A-18A1BEE44405}"/>
+                <a16:creationId xmlns:a16="http://schemas.microsoft.com/office/drawing/2014/main" id="{48536310-EBFA-98E0-FAFD-04DDD1878D1D}"/>
               </a:ext>
             </a:extLst>
           </p:cNvPr>
@@ -5297,278 +6668,8 @@
         </p:blipFill>
         <p:spPr>
           <a:xfrm>
-            <a:off x="304800" y="1642210"/>
-            <a:ext cx="3325504" cy="955755"/>
-          </a:xfrm>
-          <a:prstGeom prst="rect">
-            <a:avLst/>
-          </a:prstGeom>
-        </p:spPr>
-      </p:pic>
-      <p:pic>
-        <p:nvPicPr>
-          <p:cNvPr id="12" name="Grafik 11">
-            <a:extLst>
-              <a:ext uri="{FF2B5EF4-FFF2-40B4-BE49-F238E27FC236}">
-                <a16:creationId xmlns:a16="http://schemas.microsoft.com/office/drawing/2014/main" id="{B51D1932-E121-79A4-D5FC-0AC08231609B}"/>
-              </a:ext>
-            </a:extLst>
-          </p:cNvPr>
-          <p:cNvPicPr>
-            <a:picLocks noChangeAspect="1"/>
-          </p:cNvPicPr>
-          <p:nvPr/>
-        </p:nvPicPr>
-        <p:blipFill>
-          <a:blip r:embed="rId4"/>
-          <a:stretch>
-            <a:fillRect/>
-          </a:stretch>
-        </p:blipFill>
-        <p:spPr>
-          <a:xfrm>
-            <a:off x="455504" y="2993762"/>
-            <a:ext cx="3924848" cy="1047896"/>
-          </a:xfrm>
-          <a:prstGeom prst="rect">
-            <a:avLst/>
-          </a:prstGeom>
-        </p:spPr>
-      </p:pic>
-      <p:pic>
-        <p:nvPicPr>
-          <p:cNvPr id="14" name="Grafik 13">
-            <a:extLst>
-              <a:ext uri="{FF2B5EF4-FFF2-40B4-BE49-F238E27FC236}">
-                <a16:creationId xmlns:a16="http://schemas.microsoft.com/office/drawing/2014/main" id="{26101AFE-4B22-9359-AB8B-9029BE09F4AC}"/>
-              </a:ext>
-            </a:extLst>
-          </p:cNvPr>
-          <p:cNvPicPr>
-            <a:picLocks noChangeAspect="1"/>
-          </p:cNvPicPr>
-          <p:nvPr/>
-        </p:nvPicPr>
-        <p:blipFill>
-          <a:blip r:embed="rId5"/>
-          <a:stretch>
-            <a:fillRect/>
-          </a:stretch>
-        </p:blipFill>
-        <p:spPr>
-          <a:xfrm>
-            <a:off x="304800" y="2660409"/>
-            <a:ext cx="903027" cy="270908"/>
-          </a:xfrm>
-          <a:prstGeom prst="rect">
-            <a:avLst/>
-          </a:prstGeom>
-        </p:spPr>
-      </p:pic>
-      <p:pic>
-        <p:nvPicPr>
-          <p:cNvPr id="24" name="Grafik 23">
-            <a:extLst>
-              <a:ext uri="{FF2B5EF4-FFF2-40B4-BE49-F238E27FC236}">
-                <a16:creationId xmlns:a16="http://schemas.microsoft.com/office/drawing/2014/main" id="{569EA009-B6D7-B7E8-1B98-945E6E5FAD8B}"/>
-              </a:ext>
-            </a:extLst>
-          </p:cNvPr>
-          <p:cNvPicPr>
-            <a:picLocks noChangeAspect="1"/>
-          </p:cNvPicPr>
-          <p:nvPr/>
-        </p:nvPicPr>
-        <p:blipFill>
-          <a:blip r:embed="rId6"/>
-          <a:stretch>
-            <a:fillRect/>
-          </a:stretch>
-        </p:blipFill>
-        <p:spPr>
-          <a:xfrm>
-            <a:off x="6518889" y="1063452"/>
-            <a:ext cx="3953901" cy="439323"/>
-          </a:xfrm>
-          <a:prstGeom prst="rect">
-            <a:avLst/>
-          </a:prstGeom>
-        </p:spPr>
-      </p:pic>
-      <p:pic>
-        <p:nvPicPr>
-          <p:cNvPr id="26" name="Grafik 25">
-            <a:extLst>
-              <a:ext uri="{FF2B5EF4-FFF2-40B4-BE49-F238E27FC236}">
-                <a16:creationId xmlns:a16="http://schemas.microsoft.com/office/drawing/2014/main" id="{07BCA645-C1A9-9751-60AC-7F6B88179D90}"/>
-              </a:ext>
-            </a:extLst>
-          </p:cNvPr>
-          <p:cNvPicPr>
-            <a:picLocks noChangeAspect="1"/>
-          </p:cNvPicPr>
-          <p:nvPr/>
-        </p:nvPicPr>
-        <p:blipFill>
-          <a:blip r:embed="rId7"/>
-          <a:stretch>
-            <a:fillRect/>
-          </a:stretch>
-        </p:blipFill>
-        <p:spPr>
-          <a:xfrm>
-            <a:off x="6624185" y="1642210"/>
-            <a:ext cx="3224078" cy="955755"/>
-          </a:xfrm>
-          <a:prstGeom prst="rect">
-            <a:avLst/>
-          </a:prstGeom>
-        </p:spPr>
-      </p:pic>
-      <p:pic>
-        <p:nvPicPr>
-          <p:cNvPr id="31" name="Grafik 30">
-            <a:extLst>
-              <a:ext uri="{FF2B5EF4-FFF2-40B4-BE49-F238E27FC236}">
-                <a16:creationId xmlns:a16="http://schemas.microsoft.com/office/drawing/2014/main" id="{780394E0-27FF-5CE7-8C71-EC11325987A5}"/>
-              </a:ext>
-            </a:extLst>
-          </p:cNvPr>
-          <p:cNvPicPr>
-            <a:picLocks noChangeAspect="1"/>
-          </p:cNvPicPr>
-          <p:nvPr/>
-        </p:nvPicPr>
-        <p:blipFill>
-          <a:blip r:embed="rId8"/>
-          <a:stretch>
-            <a:fillRect/>
-          </a:stretch>
-        </p:blipFill>
-        <p:spPr>
-          <a:xfrm>
-            <a:off x="6518889" y="2664107"/>
-            <a:ext cx="902286" cy="274344"/>
-          </a:xfrm>
-          <a:prstGeom prst="rect">
-            <a:avLst/>
-          </a:prstGeom>
-        </p:spPr>
-      </p:pic>
-      <p:pic>
-        <p:nvPicPr>
-          <p:cNvPr id="32" name="Grafik 31">
-            <a:extLst>
-              <a:ext uri="{FF2B5EF4-FFF2-40B4-BE49-F238E27FC236}">
-                <a16:creationId xmlns:a16="http://schemas.microsoft.com/office/drawing/2014/main" id="{820435FF-4F84-A79D-6809-96C1D0E40B02}"/>
-              </a:ext>
-            </a:extLst>
-          </p:cNvPr>
-          <p:cNvPicPr>
-            <a:picLocks noChangeAspect="1"/>
-          </p:cNvPicPr>
-          <p:nvPr/>
-        </p:nvPicPr>
-        <p:blipFill>
-          <a:blip r:embed="rId4"/>
-          <a:stretch>
-            <a:fillRect/>
-          </a:stretch>
-        </p:blipFill>
-        <p:spPr>
-          <a:xfrm>
-            <a:off x="6624185" y="2993762"/>
-            <a:ext cx="3924848" cy="1047896"/>
-          </a:xfrm>
-          <a:prstGeom prst="rect">
-            <a:avLst/>
-          </a:prstGeom>
-        </p:spPr>
-      </p:pic>
-      <p:pic>
-        <p:nvPicPr>
-          <p:cNvPr id="34" name="Grafik 33">
-            <a:extLst>
-              <a:ext uri="{FF2B5EF4-FFF2-40B4-BE49-F238E27FC236}">
-                <a16:creationId xmlns:a16="http://schemas.microsoft.com/office/drawing/2014/main" id="{6789D96A-78B2-35C2-C8EC-50CD93787F18}"/>
-              </a:ext>
-            </a:extLst>
-          </p:cNvPr>
-          <p:cNvPicPr>
-            <a:picLocks noChangeAspect="1"/>
-          </p:cNvPicPr>
-          <p:nvPr/>
-        </p:nvPicPr>
-        <p:blipFill>
-          <a:blip r:embed="rId9"/>
-          <a:stretch>
-            <a:fillRect/>
-          </a:stretch>
-        </p:blipFill>
-        <p:spPr>
-          <a:xfrm>
-            <a:off x="361950" y="4208192"/>
-            <a:ext cx="3342847" cy="368696"/>
-          </a:xfrm>
-          <a:prstGeom prst="rect">
-            <a:avLst/>
-          </a:prstGeom>
-        </p:spPr>
-      </p:pic>
-      <p:pic>
-        <p:nvPicPr>
-          <p:cNvPr id="36" name="Grafik 35">
-            <a:extLst>
-              <a:ext uri="{FF2B5EF4-FFF2-40B4-BE49-F238E27FC236}">
-                <a16:creationId xmlns:a16="http://schemas.microsoft.com/office/drawing/2014/main" id="{1A3A42EE-1FCD-2BD8-4B66-22118A22BD34}"/>
-              </a:ext>
-            </a:extLst>
-          </p:cNvPr>
-          <p:cNvPicPr>
-            <a:picLocks noChangeAspect="1"/>
-          </p:cNvPicPr>
-          <p:nvPr/>
-        </p:nvPicPr>
-        <p:blipFill>
-          <a:blip r:embed="rId10"/>
-          <a:stretch>
-            <a:fillRect/>
-          </a:stretch>
-        </p:blipFill>
-        <p:spPr>
-          <a:xfrm>
-            <a:off x="304800" y="5215790"/>
-            <a:ext cx="1602250" cy="348877"/>
-          </a:xfrm>
-          <a:prstGeom prst="rect">
-            <a:avLst/>
-          </a:prstGeom>
-        </p:spPr>
-      </p:pic>
-      <p:pic>
-        <p:nvPicPr>
-          <p:cNvPr id="37" name="Grafik 36">
-            <a:extLst>
-              <a:ext uri="{FF2B5EF4-FFF2-40B4-BE49-F238E27FC236}">
-                <a16:creationId xmlns:a16="http://schemas.microsoft.com/office/drawing/2014/main" id="{1AE96218-2F85-4073-FC6F-7D4F9CA5B230}"/>
-              </a:ext>
-            </a:extLst>
-          </p:cNvPr>
-          <p:cNvPicPr>
-            <a:picLocks noChangeAspect="1"/>
-          </p:cNvPicPr>
-          <p:nvPr/>
-        </p:nvPicPr>
-        <p:blipFill>
-          <a:blip r:embed="rId5"/>
-          <a:stretch>
-            <a:fillRect/>
-          </a:stretch>
-        </p:blipFill>
-        <p:spPr>
-          <a:xfrm>
-            <a:off x="304800" y="4760885"/>
-            <a:ext cx="903027" cy="270908"/>
+            <a:off x="6096000" y="1387935"/>
+            <a:ext cx="6007881" cy="4082130"/>
           </a:xfrm>
           <a:prstGeom prst="rect">
             <a:avLst/>
@@ -5578,7 +6679,7 @@
     </p:spTree>
     <p:extLst>
       <p:ext uri="{BB962C8B-B14F-4D97-AF65-F5344CB8AC3E}">
-        <p14:creationId xmlns:p14="http://schemas.microsoft.com/office/powerpoint/2010/main" val="2638083401"/>
+        <p14:creationId xmlns:p14="http://schemas.microsoft.com/office/powerpoint/2010/main" val="2082564746"/>
       </p:ext>
     </p:extLst>
   </p:cSld>
@@ -5593,13 +6694,7 @@
   <p:cSld>
     <p:spTree>
       <p:nvGrpSpPr>
-        <p:cNvPr id="1" name="">
-          <a:extLst>
-            <a:ext uri="{FF2B5EF4-FFF2-40B4-BE49-F238E27FC236}">
-              <a16:creationId xmlns:a16="http://schemas.microsoft.com/office/drawing/2014/main" id="{45EDC199-C2F7-08CE-B7F0-305F69C45D0E}"/>
-            </a:ext>
-          </a:extLst>
-        </p:cNvPr>
+        <p:cNvPr id="1" name=""/>
         <p:cNvGrpSpPr/>
         <p:nvPr/>
       </p:nvGrpSpPr>
@@ -5616,7 +6711,7 @@
           <p:cNvPr id="4" name="Textfeld 3">
             <a:extLst>
               <a:ext uri="{FF2B5EF4-FFF2-40B4-BE49-F238E27FC236}">
-                <a16:creationId xmlns:a16="http://schemas.microsoft.com/office/drawing/2014/main" id="{F55878A1-EA6E-F88E-3E01-4138F01FBFCD}"/>
+                <a16:creationId xmlns:a16="http://schemas.microsoft.com/office/drawing/2014/main" id="{F0EC8B77-A95F-2DAA-A38A-292E2C763F1E}"/>
               </a:ext>
             </a:extLst>
           </p:cNvPr>
@@ -5625,8 +6720,8 @@
         </p:nvSpPr>
         <p:spPr>
           <a:xfrm>
-            <a:off x="4023880" y="2767280"/>
-            <a:ext cx="4144240" cy="1323439"/>
+            <a:off x="304800" y="240404"/>
+            <a:ext cx="6096000" cy="707886"/>
           </a:xfrm>
           <a:prstGeom prst="rect">
             <a:avLst/>
@@ -5640,17 +6735,346 @@
           <a:lstStyle/>
           <a:p>
             <a:r>
-              <a:rPr lang="en-GB" sz="8000" dirty="0"/>
-              <a:t>Frontend</a:t>
-            </a:r>
-            <a:endParaRPr lang="en-DE" sz="8000" dirty="0"/>
-          </a:p>
-        </p:txBody>
-      </p:sp>
+              <a:rPr lang="en-GB" sz="4000" dirty="0"/>
+              <a:t>API</a:t>
+            </a:r>
+          </a:p>
+        </p:txBody>
+      </p:sp>
+      <p:pic>
+        <p:nvPicPr>
+          <p:cNvPr id="6" name="Grafik 5">
+            <a:extLst>
+              <a:ext uri="{FF2B5EF4-FFF2-40B4-BE49-F238E27FC236}">
+                <a16:creationId xmlns:a16="http://schemas.microsoft.com/office/drawing/2014/main" id="{1F5841AA-B8BA-765A-DB9C-DD9ED858ABEF}"/>
+              </a:ext>
+            </a:extLst>
+          </p:cNvPr>
+          <p:cNvPicPr>
+            <a:picLocks noChangeAspect="1"/>
+          </p:cNvPicPr>
+          <p:nvPr/>
+        </p:nvPicPr>
+        <p:blipFill>
+          <a:blip r:embed="rId2"/>
+          <a:stretch>
+            <a:fillRect/>
+          </a:stretch>
+        </p:blipFill>
+        <p:spPr>
+          <a:xfrm>
+            <a:off x="304800" y="1063453"/>
+            <a:ext cx="3940593" cy="439323"/>
+          </a:xfrm>
+          <a:prstGeom prst="rect">
+            <a:avLst/>
+          </a:prstGeom>
+        </p:spPr>
+      </p:pic>
+      <p:pic>
+        <p:nvPicPr>
+          <p:cNvPr id="8" name="Grafik 7">
+            <a:extLst>
+              <a:ext uri="{FF2B5EF4-FFF2-40B4-BE49-F238E27FC236}">
+                <a16:creationId xmlns:a16="http://schemas.microsoft.com/office/drawing/2014/main" id="{36D946BA-F7A3-114C-695A-18A1BEE44405}"/>
+              </a:ext>
+            </a:extLst>
+          </p:cNvPr>
+          <p:cNvPicPr>
+            <a:picLocks noChangeAspect="1"/>
+          </p:cNvPicPr>
+          <p:nvPr/>
+        </p:nvPicPr>
+        <p:blipFill>
+          <a:blip r:embed="rId3"/>
+          <a:stretch>
+            <a:fillRect/>
+          </a:stretch>
+        </p:blipFill>
+        <p:spPr>
+          <a:xfrm>
+            <a:off x="304800" y="1642210"/>
+            <a:ext cx="3325504" cy="955755"/>
+          </a:xfrm>
+          <a:prstGeom prst="rect">
+            <a:avLst/>
+          </a:prstGeom>
+        </p:spPr>
+      </p:pic>
+      <p:pic>
+        <p:nvPicPr>
+          <p:cNvPr id="12" name="Grafik 11">
+            <a:extLst>
+              <a:ext uri="{FF2B5EF4-FFF2-40B4-BE49-F238E27FC236}">
+                <a16:creationId xmlns:a16="http://schemas.microsoft.com/office/drawing/2014/main" id="{B51D1932-E121-79A4-D5FC-0AC08231609B}"/>
+              </a:ext>
+            </a:extLst>
+          </p:cNvPr>
+          <p:cNvPicPr>
+            <a:picLocks noChangeAspect="1"/>
+          </p:cNvPicPr>
+          <p:nvPr/>
+        </p:nvPicPr>
+        <p:blipFill>
+          <a:blip r:embed="rId4"/>
+          <a:stretch>
+            <a:fillRect/>
+          </a:stretch>
+        </p:blipFill>
+        <p:spPr>
+          <a:xfrm>
+            <a:off x="455504" y="2993762"/>
+            <a:ext cx="3924848" cy="1047896"/>
+          </a:xfrm>
+          <a:prstGeom prst="rect">
+            <a:avLst/>
+          </a:prstGeom>
+        </p:spPr>
+      </p:pic>
+      <p:pic>
+        <p:nvPicPr>
+          <p:cNvPr id="14" name="Grafik 13">
+            <a:extLst>
+              <a:ext uri="{FF2B5EF4-FFF2-40B4-BE49-F238E27FC236}">
+                <a16:creationId xmlns:a16="http://schemas.microsoft.com/office/drawing/2014/main" id="{26101AFE-4B22-9359-AB8B-9029BE09F4AC}"/>
+              </a:ext>
+            </a:extLst>
+          </p:cNvPr>
+          <p:cNvPicPr>
+            <a:picLocks noChangeAspect="1"/>
+          </p:cNvPicPr>
+          <p:nvPr/>
+        </p:nvPicPr>
+        <p:blipFill>
+          <a:blip r:embed="rId5"/>
+          <a:stretch>
+            <a:fillRect/>
+          </a:stretch>
+        </p:blipFill>
+        <p:spPr>
+          <a:xfrm>
+            <a:off x="304800" y="2660409"/>
+            <a:ext cx="903027" cy="270908"/>
+          </a:xfrm>
+          <a:prstGeom prst="rect">
+            <a:avLst/>
+          </a:prstGeom>
+        </p:spPr>
+      </p:pic>
+      <p:pic>
+        <p:nvPicPr>
+          <p:cNvPr id="24" name="Grafik 23">
+            <a:extLst>
+              <a:ext uri="{FF2B5EF4-FFF2-40B4-BE49-F238E27FC236}">
+                <a16:creationId xmlns:a16="http://schemas.microsoft.com/office/drawing/2014/main" id="{569EA009-B6D7-B7E8-1B98-945E6E5FAD8B}"/>
+              </a:ext>
+            </a:extLst>
+          </p:cNvPr>
+          <p:cNvPicPr>
+            <a:picLocks noChangeAspect="1"/>
+          </p:cNvPicPr>
+          <p:nvPr/>
+        </p:nvPicPr>
+        <p:blipFill>
+          <a:blip r:embed="rId6"/>
+          <a:stretch>
+            <a:fillRect/>
+          </a:stretch>
+        </p:blipFill>
+        <p:spPr>
+          <a:xfrm>
+            <a:off x="6518889" y="1063452"/>
+            <a:ext cx="3953901" cy="439323"/>
+          </a:xfrm>
+          <a:prstGeom prst="rect">
+            <a:avLst/>
+          </a:prstGeom>
+        </p:spPr>
+      </p:pic>
+      <p:pic>
+        <p:nvPicPr>
+          <p:cNvPr id="26" name="Grafik 25">
+            <a:extLst>
+              <a:ext uri="{FF2B5EF4-FFF2-40B4-BE49-F238E27FC236}">
+                <a16:creationId xmlns:a16="http://schemas.microsoft.com/office/drawing/2014/main" id="{07BCA645-C1A9-9751-60AC-7F6B88179D90}"/>
+              </a:ext>
+            </a:extLst>
+          </p:cNvPr>
+          <p:cNvPicPr>
+            <a:picLocks noChangeAspect="1"/>
+          </p:cNvPicPr>
+          <p:nvPr/>
+        </p:nvPicPr>
+        <p:blipFill>
+          <a:blip r:embed="rId7"/>
+          <a:stretch>
+            <a:fillRect/>
+          </a:stretch>
+        </p:blipFill>
+        <p:spPr>
+          <a:xfrm>
+            <a:off x="6624185" y="1642210"/>
+            <a:ext cx="3224078" cy="955755"/>
+          </a:xfrm>
+          <a:prstGeom prst="rect">
+            <a:avLst/>
+          </a:prstGeom>
+        </p:spPr>
+      </p:pic>
+      <p:pic>
+        <p:nvPicPr>
+          <p:cNvPr id="31" name="Grafik 30">
+            <a:extLst>
+              <a:ext uri="{FF2B5EF4-FFF2-40B4-BE49-F238E27FC236}">
+                <a16:creationId xmlns:a16="http://schemas.microsoft.com/office/drawing/2014/main" id="{780394E0-27FF-5CE7-8C71-EC11325987A5}"/>
+              </a:ext>
+            </a:extLst>
+          </p:cNvPr>
+          <p:cNvPicPr>
+            <a:picLocks noChangeAspect="1"/>
+          </p:cNvPicPr>
+          <p:nvPr/>
+        </p:nvPicPr>
+        <p:blipFill>
+          <a:blip r:embed="rId8"/>
+          <a:stretch>
+            <a:fillRect/>
+          </a:stretch>
+        </p:blipFill>
+        <p:spPr>
+          <a:xfrm>
+            <a:off x="6518889" y="2664107"/>
+            <a:ext cx="902286" cy="274344"/>
+          </a:xfrm>
+          <a:prstGeom prst="rect">
+            <a:avLst/>
+          </a:prstGeom>
+        </p:spPr>
+      </p:pic>
+      <p:pic>
+        <p:nvPicPr>
+          <p:cNvPr id="32" name="Grafik 31">
+            <a:extLst>
+              <a:ext uri="{FF2B5EF4-FFF2-40B4-BE49-F238E27FC236}">
+                <a16:creationId xmlns:a16="http://schemas.microsoft.com/office/drawing/2014/main" id="{820435FF-4F84-A79D-6809-96C1D0E40B02}"/>
+              </a:ext>
+            </a:extLst>
+          </p:cNvPr>
+          <p:cNvPicPr>
+            <a:picLocks noChangeAspect="1"/>
+          </p:cNvPicPr>
+          <p:nvPr/>
+        </p:nvPicPr>
+        <p:blipFill>
+          <a:blip r:embed="rId4"/>
+          <a:stretch>
+            <a:fillRect/>
+          </a:stretch>
+        </p:blipFill>
+        <p:spPr>
+          <a:xfrm>
+            <a:off x="6624185" y="2993762"/>
+            <a:ext cx="3924848" cy="1047896"/>
+          </a:xfrm>
+          <a:prstGeom prst="rect">
+            <a:avLst/>
+          </a:prstGeom>
+        </p:spPr>
+      </p:pic>
+      <p:pic>
+        <p:nvPicPr>
+          <p:cNvPr id="34" name="Grafik 33">
+            <a:extLst>
+              <a:ext uri="{FF2B5EF4-FFF2-40B4-BE49-F238E27FC236}">
+                <a16:creationId xmlns:a16="http://schemas.microsoft.com/office/drawing/2014/main" id="{6789D96A-78B2-35C2-C8EC-50CD93787F18}"/>
+              </a:ext>
+            </a:extLst>
+          </p:cNvPr>
+          <p:cNvPicPr>
+            <a:picLocks noChangeAspect="1"/>
+          </p:cNvPicPr>
+          <p:nvPr/>
+        </p:nvPicPr>
+        <p:blipFill>
+          <a:blip r:embed="rId9"/>
+          <a:stretch>
+            <a:fillRect/>
+          </a:stretch>
+        </p:blipFill>
+        <p:spPr>
+          <a:xfrm>
+            <a:off x="361950" y="4208192"/>
+            <a:ext cx="3342847" cy="368696"/>
+          </a:xfrm>
+          <a:prstGeom prst="rect">
+            <a:avLst/>
+          </a:prstGeom>
+        </p:spPr>
+      </p:pic>
+      <p:pic>
+        <p:nvPicPr>
+          <p:cNvPr id="36" name="Grafik 35">
+            <a:extLst>
+              <a:ext uri="{FF2B5EF4-FFF2-40B4-BE49-F238E27FC236}">
+                <a16:creationId xmlns:a16="http://schemas.microsoft.com/office/drawing/2014/main" id="{1A3A42EE-1FCD-2BD8-4B66-22118A22BD34}"/>
+              </a:ext>
+            </a:extLst>
+          </p:cNvPr>
+          <p:cNvPicPr>
+            <a:picLocks noChangeAspect="1"/>
+          </p:cNvPicPr>
+          <p:nvPr/>
+        </p:nvPicPr>
+        <p:blipFill>
+          <a:blip r:embed="rId10"/>
+          <a:stretch>
+            <a:fillRect/>
+          </a:stretch>
+        </p:blipFill>
+        <p:spPr>
+          <a:xfrm>
+            <a:off x="304800" y="5215790"/>
+            <a:ext cx="1602250" cy="348877"/>
+          </a:xfrm>
+          <a:prstGeom prst="rect">
+            <a:avLst/>
+          </a:prstGeom>
+        </p:spPr>
+      </p:pic>
+      <p:pic>
+        <p:nvPicPr>
+          <p:cNvPr id="37" name="Grafik 36">
+            <a:extLst>
+              <a:ext uri="{FF2B5EF4-FFF2-40B4-BE49-F238E27FC236}">
+                <a16:creationId xmlns:a16="http://schemas.microsoft.com/office/drawing/2014/main" id="{1AE96218-2F85-4073-FC6F-7D4F9CA5B230}"/>
+              </a:ext>
+            </a:extLst>
+          </p:cNvPr>
+          <p:cNvPicPr>
+            <a:picLocks noChangeAspect="1"/>
+          </p:cNvPicPr>
+          <p:nvPr/>
+        </p:nvPicPr>
+        <p:blipFill>
+          <a:blip r:embed="rId5"/>
+          <a:stretch>
+            <a:fillRect/>
+          </a:stretch>
+        </p:blipFill>
+        <p:spPr>
+          <a:xfrm>
+            <a:off x="304800" y="4760885"/>
+            <a:ext cx="903027" cy="270908"/>
+          </a:xfrm>
+          <a:prstGeom prst="rect">
+            <a:avLst/>
+          </a:prstGeom>
+        </p:spPr>
+      </p:pic>
     </p:spTree>
     <p:extLst>
       <p:ext uri="{BB962C8B-B14F-4D97-AF65-F5344CB8AC3E}">
-        <p14:creationId xmlns:p14="http://schemas.microsoft.com/office/powerpoint/2010/main" val="621613975"/>
+        <p14:creationId xmlns:p14="http://schemas.microsoft.com/office/powerpoint/2010/main" val="2638083401"/>
       </p:ext>
     </p:extLst>
   </p:cSld>
